--- a/media/figures.pptx
+++ b/media/figures.pptx
@@ -245,7 +245,7 @@
           <a:p>
             <a:fld id="{5DB3B267-654E-4BAE-9027-1C49D2B9171B}" type="datetimeFigureOut">
               <a:rPr lang="zh-CN" altLang="en-US" smtClean="0"/>
-              <a:t>2018/9/6</a:t>
+              <a:t>2018/12/26</a:t>
             </a:fld>
             <a:endParaRPr lang="zh-CN" altLang="en-US"/>
           </a:p>
@@ -415,7 +415,7 @@
           <a:p>
             <a:fld id="{5DB3B267-654E-4BAE-9027-1C49D2B9171B}" type="datetimeFigureOut">
               <a:rPr lang="zh-CN" altLang="en-US" smtClean="0"/>
-              <a:t>2018/9/6</a:t>
+              <a:t>2018/12/26</a:t>
             </a:fld>
             <a:endParaRPr lang="zh-CN" altLang="en-US"/>
           </a:p>
@@ -595,7 +595,7 @@
           <a:p>
             <a:fld id="{5DB3B267-654E-4BAE-9027-1C49D2B9171B}" type="datetimeFigureOut">
               <a:rPr lang="zh-CN" altLang="en-US" smtClean="0"/>
-              <a:t>2018/9/6</a:t>
+              <a:t>2018/12/26</a:t>
             </a:fld>
             <a:endParaRPr lang="zh-CN" altLang="en-US"/>
           </a:p>
@@ -765,7 +765,7 @@
           <a:p>
             <a:fld id="{5DB3B267-654E-4BAE-9027-1C49D2B9171B}" type="datetimeFigureOut">
               <a:rPr lang="zh-CN" altLang="en-US" smtClean="0"/>
-              <a:t>2018/9/6</a:t>
+              <a:t>2018/12/26</a:t>
             </a:fld>
             <a:endParaRPr lang="zh-CN" altLang="en-US"/>
           </a:p>
@@ -1011,7 +1011,7 @@
           <a:p>
             <a:fld id="{5DB3B267-654E-4BAE-9027-1C49D2B9171B}" type="datetimeFigureOut">
               <a:rPr lang="zh-CN" altLang="en-US" smtClean="0"/>
-              <a:t>2018/9/6</a:t>
+              <a:t>2018/12/26</a:t>
             </a:fld>
             <a:endParaRPr lang="zh-CN" altLang="en-US"/>
           </a:p>
@@ -1243,7 +1243,7 @@
           <a:p>
             <a:fld id="{5DB3B267-654E-4BAE-9027-1C49D2B9171B}" type="datetimeFigureOut">
               <a:rPr lang="zh-CN" altLang="en-US" smtClean="0"/>
-              <a:t>2018/9/6</a:t>
+              <a:t>2018/12/26</a:t>
             </a:fld>
             <a:endParaRPr lang="zh-CN" altLang="en-US"/>
           </a:p>
@@ -1610,7 +1610,7 @@
           <a:p>
             <a:fld id="{5DB3B267-654E-4BAE-9027-1C49D2B9171B}" type="datetimeFigureOut">
               <a:rPr lang="zh-CN" altLang="en-US" smtClean="0"/>
-              <a:t>2018/9/6</a:t>
+              <a:t>2018/12/26</a:t>
             </a:fld>
             <a:endParaRPr lang="zh-CN" altLang="en-US"/>
           </a:p>
@@ -1728,7 +1728,7 @@
           <a:p>
             <a:fld id="{5DB3B267-654E-4BAE-9027-1C49D2B9171B}" type="datetimeFigureOut">
               <a:rPr lang="zh-CN" altLang="en-US" smtClean="0"/>
-              <a:t>2018/9/6</a:t>
+              <a:t>2018/12/26</a:t>
             </a:fld>
             <a:endParaRPr lang="zh-CN" altLang="en-US"/>
           </a:p>
@@ -1823,7 +1823,7 @@
           <a:p>
             <a:fld id="{5DB3B267-654E-4BAE-9027-1C49D2B9171B}" type="datetimeFigureOut">
               <a:rPr lang="zh-CN" altLang="en-US" smtClean="0"/>
-              <a:t>2018/9/6</a:t>
+              <a:t>2018/12/26</a:t>
             </a:fld>
             <a:endParaRPr lang="zh-CN" altLang="en-US"/>
           </a:p>
@@ -2100,7 +2100,7 @@
           <a:p>
             <a:fld id="{5DB3B267-654E-4BAE-9027-1C49D2B9171B}" type="datetimeFigureOut">
               <a:rPr lang="zh-CN" altLang="en-US" smtClean="0"/>
-              <a:t>2018/9/6</a:t>
+              <a:t>2018/12/26</a:t>
             </a:fld>
             <a:endParaRPr lang="zh-CN" altLang="en-US"/>
           </a:p>
@@ -2353,7 +2353,7 @@
           <a:p>
             <a:fld id="{5DB3B267-654E-4BAE-9027-1C49D2B9171B}" type="datetimeFigureOut">
               <a:rPr lang="zh-CN" altLang="en-US" smtClean="0"/>
-              <a:t>2018/9/6</a:t>
+              <a:t>2018/12/26</a:t>
             </a:fld>
             <a:endParaRPr lang="zh-CN" altLang="en-US"/>
           </a:p>
@@ -2566,7 +2566,7 @@
           <a:p>
             <a:fld id="{5DB3B267-654E-4BAE-9027-1C49D2B9171B}" type="datetimeFigureOut">
               <a:rPr lang="zh-CN" altLang="en-US" smtClean="0"/>
-              <a:t>2018/9/6</a:t>
+              <a:t>2018/12/26</a:t>
             </a:fld>
             <a:endParaRPr lang="zh-CN" altLang="en-US"/>
           </a:p>
@@ -2971,588 +2971,627 @@
           <a:chExt cx="0" cy="0"/>
         </a:xfrm>
       </p:grpSpPr>
-      <p:pic>
-        <p:nvPicPr>
-          <p:cNvPr id="5" name="图片 4"/>
-          <p:cNvPicPr>
-            <a:picLocks noChangeAspect="1"/>
-          </p:cNvPicPr>
+      <p:grpSp>
+        <p:nvGrpSpPr>
+          <p:cNvPr id="2" name="Group 1"/>
+          <p:cNvGrpSpPr/>
           <p:nvPr/>
-        </p:nvPicPr>
-        <p:blipFill>
-          <a:blip r:embed="rId2"/>
-          <a:stretch>
-            <a:fillRect/>
-          </a:stretch>
-        </p:blipFill>
-        <p:spPr>
+        </p:nvGrpSpPr>
+        <p:grpSpPr>
           <a:xfrm>
-            <a:off x="2385770" y="2672715"/>
-            <a:ext cx="694394" cy="720000"/>
+            <a:off x="1562856" y="2131017"/>
+            <a:ext cx="8918652" cy="1605541"/>
+            <a:chOff x="1562856" y="2131017"/>
+            <a:chExt cx="8918652" cy="1605541"/>
           </a:xfrm>
-          <a:prstGeom prst="rect">
-            <a:avLst/>
-          </a:prstGeom>
-        </p:spPr>
-      </p:pic>
-      <p:pic>
-        <p:nvPicPr>
-          <p:cNvPr id="6" name="图片 5"/>
-          <p:cNvPicPr>
-            <a:picLocks noChangeAspect="1"/>
-          </p:cNvPicPr>
-          <p:nvPr/>
-        </p:nvPicPr>
-        <p:blipFill>
-          <a:blip r:embed="rId3"/>
-          <a:stretch>
-            <a:fillRect/>
-          </a:stretch>
-        </p:blipFill>
-        <p:spPr>
-          <a:xfrm>
-            <a:off x="4548294" y="2672715"/>
-            <a:ext cx="734638" cy="720000"/>
-          </a:xfrm>
-          <a:prstGeom prst="rect">
-            <a:avLst/>
-          </a:prstGeom>
-        </p:spPr>
-      </p:pic>
-      <p:pic>
-        <p:nvPicPr>
-          <p:cNvPr id="7" name="图片 6"/>
-          <p:cNvPicPr>
-            <a:picLocks noChangeAspect="1"/>
-          </p:cNvPicPr>
-          <p:nvPr/>
-        </p:nvPicPr>
-        <p:blipFill>
-          <a:blip r:embed="rId4"/>
-          <a:stretch>
-            <a:fillRect/>
-          </a:stretch>
-        </p:blipFill>
-        <p:spPr>
-          <a:xfrm>
-            <a:off x="6821968" y="2672715"/>
-            <a:ext cx="668242" cy="720000"/>
-          </a:xfrm>
-          <a:prstGeom prst="rect">
-            <a:avLst/>
-          </a:prstGeom>
-        </p:spPr>
-      </p:pic>
-      <p:pic>
-        <p:nvPicPr>
-          <p:cNvPr id="8" name="图片 7"/>
-          <p:cNvPicPr>
-            <a:picLocks noChangeAspect="1"/>
-          </p:cNvPicPr>
-          <p:nvPr/>
-        </p:nvPicPr>
-        <p:blipFill>
-          <a:blip r:embed="rId5"/>
-          <a:stretch>
-            <a:fillRect/>
-          </a:stretch>
-        </p:blipFill>
-        <p:spPr>
-          <a:xfrm>
-            <a:off x="9109466" y="2672715"/>
-            <a:ext cx="706562" cy="720000"/>
-          </a:xfrm>
-          <a:prstGeom prst="rect">
-            <a:avLst/>
-          </a:prstGeom>
-        </p:spPr>
-      </p:pic>
-      <p:sp>
-        <p:nvSpPr>
-          <p:cNvPr id="9" name="文本框 8"/>
-          <p:cNvSpPr txBox="1"/>
-          <p:nvPr/>
-        </p:nvSpPr>
-        <p:spPr>
-          <a:xfrm>
-            <a:off x="1562856" y="3459559"/>
-            <a:ext cx="2340222" cy="276999"/>
-          </a:xfrm>
-          <a:prstGeom prst="rect">
-            <a:avLst/>
-          </a:prstGeom>
-          <a:noFill/>
-        </p:spPr>
-        <p:txBody>
-          <a:bodyPr wrap="square" rtlCol="0">
-            <a:spAutoFit/>
-          </a:bodyPr>
-          <a:lstStyle/>
-          <a:p>
-            <a:pPr algn="ctr"/>
-            <a:r>
-              <a:rPr lang="en-US" altLang="zh-CN" sz="1200" dirty="0" smtClean="0"/>
-              <a:t>Prepare source and target</a:t>
-            </a:r>
-            <a:endParaRPr lang="zh-CN" altLang="en-US" sz="1200" dirty="0"/>
-          </a:p>
-        </p:txBody>
-      </p:sp>
-      <p:sp>
-        <p:nvSpPr>
-          <p:cNvPr id="10" name="文本框 9"/>
-          <p:cNvSpPr txBox="1"/>
-          <p:nvPr/>
-        </p:nvSpPr>
-        <p:spPr>
-          <a:xfrm>
-            <a:off x="3928382" y="3459559"/>
-            <a:ext cx="1974462" cy="276999"/>
-          </a:xfrm>
-          <a:prstGeom prst="rect">
-            <a:avLst/>
-          </a:prstGeom>
-          <a:noFill/>
-        </p:spPr>
-        <p:txBody>
-          <a:bodyPr wrap="square" rtlCol="0">
-            <a:spAutoFit/>
-          </a:bodyPr>
-          <a:lstStyle/>
-          <a:p>
-            <a:pPr algn="ctr"/>
-            <a:r>
-              <a:rPr lang="en-US" altLang="zh-CN" sz="1200" dirty="0" smtClean="0"/>
-              <a:t>Synchronize data</a:t>
-            </a:r>
-            <a:endParaRPr lang="zh-CN" altLang="en-US" sz="1200" dirty="0"/>
-          </a:p>
-        </p:txBody>
-      </p:sp>
-      <p:sp>
-        <p:nvSpPr>
-          <p:cNvPr id="11" name="文本框 10"/>
-          <p:cNvSpPr txBox="1"/>
-          <p:nvPr/>
-        </p:nvSpPr>
-        <p:spPr>
-          <a:xfrm>
-            <a:off x="6168858" y="3459559"/>
-            <a:ext cx="1974462" cy="276999"/>
-          </a:xfrm>
-          <a:prstGeom prst="rect">
-            <a:avLst/>
-          </a:prstGeom>
-          <a:noFill/>
-        </p:spPr>
-        <p:txBody>
-          <a:bodyPr wrap="square" rtlCol="0">
-            <a:spAutoFit/>
-          </a:bodyPr>
-          <a:lstStyle/>
-          <a:p>
-            <a:pPr algn="ctr"/>
-            <a:r>
-              <a:rPr lang="en-US" altLang="zh-CN" sz="1200" dirty="0" smtClean="0"/>
-              <a:t>Process data</a:t>
-            </a:r>
-            <a:endParaRPr lang="zh-CN" altLang="en-US" sz="1200" dirty="0"/>
-          </a:p>
-        </p:txBody>
-      </p:sp>
-      <p:sp>
-        <p:nvSpPr>
-          <p:cNvPr id="12" name="文本框 11"/>
-          <p:cNvSpPr txBox="1"/>
-          <p:nvPr/>
-        </p:nvSpPr>
-        <p:spPr>
-          <a:xfrm>
-            <a:off x="8475516" y="3459559"/>
-            <a:ext cx="1974462" cy="276999"/>
-          </a:xfrm>
-          <a:prstGeom prst="rect">
-            <a:avLst/>
-          </a:prstGeom>
-          <a:noFill/>
-        </p:spPr>
-        <p:txBody>
-          <a:bodyPr wrap="square" rtlCol="0">
-            <a:spAutoFit/>
-          </a:bodyPr>
-          <a:lstStyle/>
-          <a:p>
-            <a:pPr algn="ctr"/>
-            <a:r>
-              <a:rPr lang="en-US" altLang="zh-CN" sz="1200" dirty="0" smtClean="0"/>
-              <a:t>Explore data</a:t>
-            </a:r>
-            <a:endParaRPr lang="zh-CN" altLang="en-US" sz="1200" dirty="0"/>
-          </a:p>
-        </p:txBody>
-      </p:sp>
-      <p:sp>
-        <p:nvSpPr>
-          <p:cNvPr id="13" name="椭圆 12"/>
-          <p:cNvSpPr/>
-          <p:nvPr/>
-        </p:nvSpPr>
-        <p:spPr>
-          <a:xfrm>
-            <a:off x="2515991" y="2131017"/>
-            <a:ext cx="433952" cy="433952"/>
-          </a:xfrm>
-          <a:prstGeom prst="ellipse">
-            <a:avLst/>
-          </a:prstGeom>
-          <a:solidFill>
-            <a:schemeClr val="accent5">
-              <a:alpha val="50000"/>
-            </a:schemeClr>
-          </a:solidFill>
-          <a:ln>
+        </p:grpSpPr>
+        <p:pic>
+          <p:nvPicPr>
+            <p:cNvPr id="5" name="图片 4"/>
+            <p:cNvPicPr>
+              <a:picLocks noChangeAspect="1"/>
+            </p:cNvPicPr>
+            <p:nvPr/>
+          </p:nvPicPr>
+          <p:blipFill>
+            <a:blip r:embed="rId2"/>
+            <a:stretch>
+              <a:fillRect/>
+            </a:stretch>
+          </p:blipFill>
+          <p:spPr>
+            <a:xfrm>
+              <a:off x="2385770" y="2672715"/>
+              <a:ext cx="694394" cy="720000"/>
+            </a:xfrm>
+            <a:prstGeom prst="rect">
+              <a:avLst/>
+            </a:prstGeom>
+          </p:spPr>
+        </p:pic>
+        <p:pic>
+          <p:nvPicPr>
+            <p:cNvPr id="6" name="图片 5"/>
+            <p:cNvPicPr>
+              <a:picLocks noChangeAspect="1"/>
+            </p:cNvPicPr>
+            <p:nvPr/>
+          </p:nvPicPr>
+          <p:blipFill>
+            <a:blip r:embed="rId3"/>
+            <a:stretch>
+              <a:fillRect/>
+            </a:stretch>
+          </p:blipFill>
+          <p:spPr>
+            <a:xfrm>
+              <a:off x="4548294" y="2672715"/>
+              <a:ext cx="734638" cy="720000"/>
+            </a:xfrm>
+            <a:prstGeom prst="rect">
+              <a:avLst/>
+            </a:prstGeom>
+          </p:spPr>
+        </p:pic>
+        <p:pic>
+          <p:nvPicPr>
+            <p:cNvPr id="7" name="图片 6"/>
+            <p:cNvPicPr>
+              <a:picLocks noChangeAspect="1"/>
+            </p:cNvPicPr>
+            <p:nvPr/>
+          </p:nvPicPr>
+          <p:blipFill>
+            <a:blip r:embed="rId4"/>
+            <a:stretch>
+              <a:fillRect/>
+            </a:stretch>
+          </p:blipFill>
+          <p:spPr>
+            <a:xfrm>
+              <a:off x="6821968" y="2672715"/>
+              <a:ext cx="668242" cy="720000"/>
+            </a:xfrm>
+            <a:prstGeom prst="rect">
+              <a:avLst/>
+            </a:prstGeom>
+          </p:spPr>
+        </p:pic>
+        <p:pic>
+          <p:nvPicPr>
+            <p:cNvPr id="8" name="图片 7"/>
+            <p:cNvPicPr>
+              <a:picLocks noChangeAspect="1"/>
+            </p:cNvPicPr>
+            <p:nvPr/>
+          </p:nvPicPr>
+          <p:blipFill>
+            <a:blip r:embed="rId5"/>
+            <a:stretch>
+              <a:fillRect/>
+            </a:stretch>
+          </p:blipFill>
+          <p:spPr>
+            <a:xfrm>
+              <a:off x="9109466" y="2672715"/>
+              <a:ext cx="706562" cy="720000"/>
+            </a:xfrm>
+            <a:prstGeom prst="rect">
+              <a:avLst/>
+            </a:prstGeom>
+          </p:spPr>
+        </p:pic>
+        <p:sp>
+          <p:nvSpPr>
+            <p:cNvPr id="9" name="文本框 8"/>
+            <p:cNvSpPr txBox="1"/>
+            <p:nvPr/>
+          </p:nvSpPr>
+          <p:spPr>
+            <a:xfrm>
+              <a:off x="1562856" y="3459559"/>
+              <a:ext cx="2340222" cy="276999"/>
+            </a:xfrm>
+            <a:prstGeom prst="rect">
+              <a:avLst/>
+            </a:prstGeom>
             <a:noFill/>
-          </a:ln>
-        </p:spPr>
-        <p:style>
-          <a:lnRef idx="0">
-            <a:scrgbClr r="0" g="0" b="0"/>
-          </a:lnRef>
-          <a:fillRef idx="0">
-            <a:scrgbClr r="0" g="0" b="0"/>
-          </a:fillRef>
-          <a:effectRef idx="0">
-            <a:scrgbClr r="0" g="0" b="0"/>
-          </a:effectRef>
-          <a:fontRef idx="minor">
-            <a:schemeClr val="lt1"/>
-          </a:fontRef>
-        </p:style>
-        <p:txBody>
-          <a:bodyPr rtlCol="0" anchor="ctr"/>
-          <a:lstStyle/>
-          <a:p>
-            <a:pPr algn="ctr"/>
-            <a:r>
-              <a:rPr lang="en-US" altLang="zh-CN" dirty="0" smtClean="0">
+          </p:spPr>
+          <p:txBody>
+            <a:bodyPr wrap="square" rtlCol="0">
+              <a:spAutoFit/>
+            </a:bodyPr>
+            <a:lstStyle/>
+            <a:p>
+              <a:pPr algn="ctr"/>
+              <a:r>
+                <a:rPr lang="zh-CN" altLang="en-US" sz="1200" dirty="0" smtClean="0">
+                  <a:latin typeface="Microsoft YaHei" panose="020B0503020204020204" pitchFamily="34" charset="-122"/>
+                  <a:ea typeface="Microsoft YaHei" panose="020B0503020204020204" pitchFamily="34" charset="-122"/>
+                </a:rPr>
+                <a:t>准备数据源与目标数据库</a:t>
+              </a:r>
+              <a:endParaRPr lang="zh-CN" altLang="en-US" sz="1200" dirty="0">
+                <a:latin typeface="Microsoft YaHei" panose="020B0503020204020204" pitchFamily="34" charset="-122"/>
+                <a:ea typeface="Microsoft YaHei" panose="020B0503020204020204" pitchFamily="34" charset="-122"/>
+              </a:endParaRPr>
+            </a:p>
+          </p:txBody>
+        </p:sp>
+        <p:sp>
+          <p:nvSpPr>
+            <p:cNvPr id="10" name="文本框 9"/>
+            <p:cNvSpPr txBox="1"/>
+            <p:nvPr/>
+          </p:nvSpPr>
+          <p:spPr>
+            <a:xfrm>
+              <a:off x="3980932" y="3459559"/>
+              <a:ext cx="1974462" cy="276999"/>
+            </a:xfrm>
+            <a:prstGeom prst="rect">
+              <a:avLst/>
+            </a:prstGeom>
+            <a:noFill/>
+          </p:spPr>
+          <p:txBody>
+            <a:bodyPr wrap="square" rtlCol="0">
+              <a:spAutoFit/>
+            </a:bodyPr>
+            <a:lstStyle/>
+            <a:p>
+              <a:pPr algn="ctr"/>
+              <a:r>
+                <a:rPr lang="zh-CN" altLang="en-US" sz="1200" dirty="0" smtClean="0">
+                  <a:latin typeface="Microsoft YaHei" panose="020B0503020204020204" pitchFamily="34" charset="-122"/>
+                  <a:ea typeface="Microsoft YaHei" panose="020B0503020204020204" pitchFamily="34" charset="-122"/>
+                </a:rPr>
+                <a:t>同步数据</a:t>
+              </a:r>
+              <a:endParaRPr lang="zh-CN" altLang="en-US" sz="1200" dirty="0">
+                <a:latin typeface="Microsoft YaHei" panose="020B0503020204020204" pitchFamily="34" charset="-122"/>
+                <a:ea typeface="Microsoft YaHei" panose="020B0503020204020204" pitchFamily="34" charset="-122"/>
+              </a:endParaRPr>
+            </a:p>
+          </p:txBody>
+        </p:sp>
+        <p:sp>
+          <p:nvSpPr>
+            <p:cNvPr id="11" name="文本框 10"/>
+            <p:cNvSpPr txBox="1"/>
+            <p:nvPr/>
+          </p:nvSpPr>
+          <p:spPr>
+            <a:xfrm>
+              <a:off x="6189878" y="3459559"/>
+              <a:ext cx="1974462" cy="276999"/>
+            </a:xfrm>
+            <a:prstGeom prst="rect">
+              <a:avLst/>
+            </a:prstGeom>
+            <a:noFill/>
+          </p:spPr>
+          <p:txBody>
+            <a:bodyPr wrap="square" rtlCol="0">
+              <a:spAutoFit/>
+            </a:bodyPr>
+            <a:lstStyle/>
+            <a:p>
+              <a:pPr algn="ctr"/>
+              <a:r>
+                <a:rPr lang="zh-CN" altLang="en-US" sz="1200" dirty="0" smtClean="0">
+                  <a:latin typeface="Microsoft YaHei" panose="020B0503020204020204" pitchFamily="34" charset="-122"/>
+                  <a:ea typeface="Microsoft YaHei" panose="020B0503020204020204" pitchFamily="34" charset="-122"/>
+                </a:rPr>
+                <a:t>处理数据</a:t>
+              </a:r>
+              <a:endParaRPr lang="zh-CN" altLang="en-US" sz="1200" dirty="0">
+                <a:latin typeface="Microsoft YaHei" panose="020B0503020204020204" pitchFamily="34" charset="-122"/>
+                <a:ea typeface="Microsoft YaHei" panose="020B0503020204020204" pitchFamily="34" charset="-122"/>
+              </a:endParaRPr>
+            </a:p>
+          </p:txBody>
+        </p:sp>
+        <p:sp>
+          <p:nvSpPr>
+            <p:cNvPr id="12" name="文本框 11"/>
+            <p:cNvSpPr txBox="1"/>
+            <p:nvPr/>
+          </p:nvSpPr>
+          <p:spPr>
+            <a:xfrm>
+              <a:off x="8507046" y="3459559"/>
+              <a:ext cx="1974462" cy="276999"/>
+            </a:xfrm>
+            <a:prstGeom prst="rect">
+              <a:avLst/>
+            </a:prstGeom>
+            <a:noFill/>
+          </p:spPr>
+          <p:txBody>
+            <a:bodyPr wrap="square" rtlCol="0">
+              <a:spAutoFit/>
+            </a:bodyPr>
+            <a:lstStyle/>
+            <a:p>
+              <a:pPr algn="ctr"/>
+              <a:r>
+                <a:rPr lang="zh-CN" altLang="en-US" sz="1200" dirty="0" smtClean="0">
+                  <a:latin typeface="Microsoft YaHei" panose="020B0503020204020204" pitchFamily="34" charset="-122"/>
+                  <a:ea typeface="Microsoft YaHei" panose="020B0503020204020204" pitchFamily="34" charset="-122"/>
+                </a:rPr>
+                <a:t>探索数据</a:t>
+              </a:r>
+              <a:endParaRPr lang="zh-CN" altLang="en-US" sz="1200" dirty="0">
+                <a:latin typeface="Microsoft YaHei" panose="020B0503020204020204" pitchFamily="34" charset="-122"/>
+                <a:ea typeface="Microsoft YaHei" panose="020B0503020204020204" pitchFamily="34" charset="-122"/>
+              </a:endParaRPr>
+            </a:p>
+          </p:txBody>
+        </p:sp>
+        <p:sp>
+          <p:nvSpPr>
+            <p:cNvPr id="13" name="椭圆 12"/>
+            <p:cNvSpPr/>
+            <p:nvPr/>
+          </p:nvSpPr>
+          <p:spPr>
+            <a:xfrm>
+              <a:off x="2515991" y="2131017"/>
+              <a:ext cx="433952" cy="433952"/>
+            </a:xfrm>
+            <a:prstGeom prst="ellipse">
+              <a:avLst/>
+            </a:prstGeom>
+            <a:solidFill>
+              <a:schemeClr val="accent5">
+                <a:alpha val="50000"/>
+              </a:schemeClr>
+            </a:solidFill>
+            <a:ln>
+              <a:noFill/>
+            </a:ln>
+          </p:spPr>
+          <p:style>
+            <a:lnRef idx="0">
+              <a:scrgbClr r="0" g="0" b="0"/>
+            </a:lnRef>
+            <a:fillRef idx="0">
+              <a:scrgbClr r="0" g="0" b="0"/>
+            </a:fillRef>
+            <a:effectRef idx="0">
+              <a:scrgbClr r="0" g="0" b="0"/>
+            </a:effectRef>
+            <a:fontRef idx="minor">
+              <a:schemeClr val="lt1"/>
+            </a:fontRef>
+          </p:style>
+          <p:txBody>
+            <a:bodyPr rtlCol="0" anchor="ctr"/>
+            <a:lstStyle/>
+            <a:p>
+              <a:pPr algn="ctr"/>
+              <a:r>
+                <a:rPr lang="en-US" altLang="zh-CN" dirty="0" smtClean="0">
+                  <a:latin typeface="Arial" panose="020B0604020202020204" pitchFamily="34" charset="0"/>
+                  <a:cs typeface="Arial" panose="020B0604020202020204" pitchFamily="34" charset="0"/>
+                </a:rPr>
+                <a:t>1</a:t>
+              </a:r>
+              <a:endParaRPr lang="zh-CN" altLang="en-US" dirty="0">
                 <a:latin typeface="Arial" panose="020B0604020202020204" pitchFamily="34" charset="0"/>
                 <a:cs typeface="Arial" panose="020B0604020202020204" pitchFamily="34" charset="0"/>
-              </a:rPr>
-              <a:t>1</a:t>
-            </a:r>
-            <a:endParaRPr lang="zh-CN" altLang="en-US" dirty="0">
-              <a:latin typeface="Arial" panose="020B0604020202020204" pitchFamily="34" charset="0"/>
-              <a:cs typeface="Arial" panose="020B0604020202020204" pitchFamily="34" charset="0"/>
-            </a:endParaRPr>
-          </a:p>
-        </p:txBody>
-      </p:sp>
-      <p:sp>
-        <p:nvSpPr>
-          <p:cNvPr id="14" name="椭圆 13"/>
-          <p:cNvSpPr/>
-          <p:nvPr/>
-        </p:nvSpPr>
-        <p:spPr>
-          <a:xfrm>
-            <a:off x="4698637" y="2131017"/>
-            <a:ext cx="433952" cy="433952"/>
-          </a:xfrm>
-          <a:prstGeom prst="ellipse">
-            <a:avLst/>
-          </a:prstGeom>
-          <a:solidFill>
-            <a:schemeClr val="accent5">
-              <a:alpha val="50000"/>
-            </a:schemeClr>
-          </a:solidFill>
-          <a:ln>
-            <a:noFill/>
-          </a:ln>
-        </p:spPr>
-        <p:style>
-          <a:lnRef idx="0">
-            <a:scrgbClr r="0" g="0" b="0"/>
-          </a:lnRef>
-          <a:fillRef idx="0">
-            <a:scrgbClr r="0" g="0" b="0"/>
-          </a:fillRef>
-          <a:effectRef idx="0">
-            <a:scrgbClr r="0" g="0" b="0"/>
-          </a:effectRef>
-          <a:fontRef idx="minor">
-            <a:schemeClr val="lt1"/>
-          </a:fontRef>
-        </p:style>
-        <p:txBody>
-          <a:bodyPr rtlCol="0" anchor="ctr"/>
-          <a:lstStyle/>
-          <a:p>
-            <a:pPr algn="ctr"/>
-            <a:r>
-              <a:rPr lang="en-US" altLang="zh-CN" dirty="0">
+              </a:endParaRPr>
+            </a:p>
+          </p:txBody>
+        </p:sp>
+        <p:sp>
+          <p:nvSpPr>
+            <p:cNvPr id="14" name="椭圆 13"/>
+            <p:cNvSpPr/>
+            <p:nvPr/>
+          </p:nvSpPr>
+          <p:spPr>
+            <a:xfrm>
+              <a:off x="4698637" y="2131017"/>
+              <a:ext cx="433952" cy="433952"/>
+            </a:xfrm>
+            <a:prstGeom prst="ellipse">
+              <a:avLst/>
+            </a:prstGeom>
+            <a:solidFill>
+              <a:schemeClr val="accent5">
+                <a:alpha val="50000"/>
+              </a:schemeClr>
+            </a:solidFill>
+            <a:ln>
+              <a:noFill/>
+            </a:ln>
+          </p:spPr>
+          <p:style>
+            <a:lnRef idx="0">
+              <a:scrgbClr r="0" g="0" b="0"/>
+            </a:lnRef>
+            <a:fillRef idx="0">
+              <a:scrgbClr r="0" g="0" b="0"/>
+            </a:fillRef>
+            <a:effectRef idx="0">
+              <a:scrgbClr r="0" g="0" b="0"/>
+            </a:effectRef>
+            <a:fontRef idx="minor">
+              <a:schemeClr val="lt1"/>
+            </a:fontRef>
+          </p:style>
+          <p:txBody>
+            <a:bodyPr rtlCol="0" anchor="ctr"/>
+            <a:lstStyle/>
+            <a:p>
+              <a:pPr algn="ctr"/>
+              <a:r>
+                <a:rPr lang="en-US" altLang="zh-CN" dirty="0">
+                  <a:latin typeface="Arial" panose="020B0604020202020204" pitchFamily="34" charset="0"/>
+                  <a:cs typeface="Arial" panose="020B0604020202020204" pitchFamily="34" charset="0"/>
+                </a:rPr>
+                <a:t>2</a:t>
+              </a:r>
+              <a:endParaRPr lang="zh-CN" altLang="en-US" dirty="0">
                 <a:latin typeface="Arial" panose="020B0604020202020204" pitchFamily="34" charset="0"/>
                 <a:cs typeface="Arial" panose="020B0604020202020204" pitchFamily="34" charset="0"/>
-              </a:rPr>
-              <a:t>2</a:t>
-            </a:r>
-            <a:endParaRPr lang="zh-CN" altLang="en-US" dirty="0">
-              <a:latin typeface="Arial" panose="020B0604020202020204" pitchFamily="34" charset="0"/>
-              <a:cs typeface="Arial" panose="020B0604020202020204" pitchFamily="34" charset="0"/>
-            </a:endParaRPr>
-          </a:p>
-        </p:txBody>
-      </p:sp>
-      <p:sp>
-        <p:nvSpPr>
-          <p:cNvPr id="15" name="椭圆 14"/>
-          <p:cNvSpPr/>
-          <p:nvPr/>
-        </p:nvSpPr>
-        <p:spPr>
-          <a:xfrm>
-            <a:off x="6939113" y="2131017"/>
-            <a:ext cx="433952" cy="433952"/>
-          </a:xfrm>
-          <a:prstGeom prst="ellipse">
-            <a:avLst/>
-          </a:prstGeom>
-          <a:solidFill>
-            <a:schemeClr val="accent5">
-              <a:alpha val="50000"/>
-            </a:schemeClr>
-          </a:solidFill>
-          <a:ln>
-            <a:noFill/>
-          </a:ln>
-        </p:spPr>
-        <p:style>
-          <a:lnRef idx="0">
-            <a:scrgbClr r="0" g="0" b="0"/>
-          </a:lnRef>
-          <a:fillRef idx="0">
-            <a:scrgbClr r="0" g="0" b="0"/>
-          </a:fillRef>
-          <a:effectRef idx="0">
-            <a:scrgbClr r="0" g="0" b="0"/>
-          </a:effectRef>
-          <a:fontRef idx="minor">
-            <a:schemeClr val="lt1"/>
-          </a:fontRef>
-        </p:style>
-        <p:txBody>
-          <a:bodyPr rtlCol="0" anchor="ctr"/>
-          <a:lstStyle/>
-          <a:p>
-            <a:pPr algn="ctr"/>
-            <a:r>
-              <a:rPr lang="en-US" altLang="zh-CN" dirty="0" smtClean="0">
+              </a:endParaRPr>
+            </a:p>
+          </p:txBody>
+        </p:sp>
+        <p:sp>
+          <p:nvSpPr>
+            <p:cNvPr id="15" name="椭圆 14"/>
+            <p:cNvSpPr/>
+            <p:nvPr/>
+          </p:nvSpPr>
+          <p:spPr>
+            <a:xfrm>
+              <a:off x="6939113" y="2131017"/>
+              <a:ext cx="433952" cy="433952"/>
+            </a:xfrm>
+            <a:prstGeom prst="ellipse">
+              <a:avLst/>
+            </a:prstGeom>
+            <a:solidFill>
+              <a:schemeClr val="accent5">
+                <a:alpha val="50000"/>
+              </a:schemeClr>
+            </a:solidFill>
+            <a:ln>
+              <a:noFill/>
+            </a:ln>
+          </p:spPr>
+          <p:style>
+            <a:lnRef idx="0">
+              <a:scrgbClr r="0" g="0" b="0"/>
+            </a:lnRef>
+            <a:fillRef idx="0">
+              <a:scrgbClr r="0" g="0" b="0"/>
+            </a:fillRef>
+            <a:effectRef idx="0">
+              <a:scrgbClr r="0" g="0" b="0"/>
+            </a:effectRef>
+            <a:fontRef idx="minor">
+              <a:schemeClr val="lt1"/>
+            </a:fontRef>
+          </p:style>
+          <p:txBody>
+            <a:bodyPr rtlCol="0" anchor="ctr"/>
+            <a:lstStyle/>
+            <a:p>
+              <a:pPr algn="ctr"/>
+              <a:r>
+                <a:rPr lang="en-US" altLang="zh-CN" dirty="0" smtClean="0">
+                  <a:latin typeface="Arial" panose="020B0604020202020204" pitchFamily="34" charset="0"/>
+                  <a:cs typeface="Arial" panose="020B0604020202020204" pitchFamily="34" charset="0"/>
+                </a:rPr>
+                <a:t>3</a:t>
+              </a:r>
+              <a:endParaRPr lang="zh-CN" altLang="en-US" dirty="0">
                 <a:latin typeface="Arial" panose="020B0604020202020204" pitchFamily="34" charset="0"/>
                 <a:cs typeface="Arial" panose="020B0604020202020204" pitchFamily="34" charset="0"/>
-              </a:rPr>
-              <a:t>3</a:t>
-            </a:r>
-            <a:endParaRPr lang="zh-CN" altLang="en-US" dirty="0">
-              <a:latin typeface="Arial" panose="020B0604020202020204" pitchFamily="34" charset="0"/>
-              <a:cs typeface="Arial" panose="020B0604020202020204" pitchFamily="34" charset="0"/>
-            </a:endParaRPr>
-          </a:p>
-        </p:txBody>
-      </p:sp>
-      <p:sp>
-        <p:nvSpPr>
-          <p:cNvPr id="16" name="椭圆 15"/>
-          <p:cNvSpPr/>
-          <p:nvPr/>
-        </p:nvSpPr>
-        <p:spPr>
-          <a:xfrm>
-            <a:off x="9245771" y="2131017"/>
-            <a:ext cx="433952" cy="433952"/>
-          </a:xfrm>
-          <a:prstGeom prst="ellipse">
-            <a:avLst/>
-          </a:prstGeom>
-          <a:solidFill>
-            <a:schemeClr val="accent5">
-              <a:alpha val="50000"/>
-            </a:schemeClr>
-          </a:solidFill>
-          <a:ln>
-            <a:noFill/>
-          </a:ln>
-        </p:spPr>
-        <p:style>
-          <a:lnRef idx="0">
-            <a:scrgbClr r="0" g="0" b="0"/>
-          </a:lnRef>
-          <a:fillRef idx="0">
-            <a:scrgbClr r="0" g="0" b="0"/>
-          </a:fillRef>
-          <a:effectRef idx="0">
-            <a:scrgbClr r="0" g="0" b="0"/>
-          </a:effectRef>
-          <a:fontRef idx="minor">
-            <a:schemeClr val="lt1"/>
-          </a:fontRef>
-        </p:style>
-        <p:txBody>
-          <a:bodyPr rtlCol="0" anchor="ctr"/>
-          <a:lstStyle/>
-          <a:p>
-            <a:pPr algn="ctr"/>
-            <a:r>
-              <a:rPr lang="en-US" altLang="zh-CN" dirty="0" smtClean="0">
+              </a:endParaRPr>
+            </a:p>
+          </p:txBody>
+        </p:sp>
+        <p:sp>
+          <p:nvSpPr>
+            <p:cNvPr id="16" name="椭圆 15"/>
+            <p:cNvSpPr/>
+            <p:nvPr/>
+          </p:nvSpPr>
+          <p:spPr>
+            <a:xfrm>
+              <a:off x="9245771" y="2131017"/>
+              <a:ext cx="433952" cy="433952"/>
+            </a:xfrm>
+            <a:prstGeom prst="ellipse">
+              <a:avLst/>
+            </a:prstGeom>
+            <a:solidFill>
+              <a:schemeClr val="accent5">
+                <a:alpha val="50000"/>
+              </a:schemeClr>
+            </a:solidFill>
+            <a:ln>
+              <a:noFill/>
+            </a:ln>
+          </p:spPr>
+          <p:style>
+            <a:lnRef idx="0">
+              <a:scrgbClr r="0" g="0" b="0"/>
+            </a:lnRef>
+            <a:fillRef idx="0">
+              <a:scrgbClr r="0" g="0" b="0"/>
+            </a:fillRef>
+            <a:effectRef idx="0">
+              <a:scrgbClr r="0" g="0" b="0"/>
+            </a:effectRef>
+            <a:fontRef idx="minor">
+              <a:schemeClr val="lt1"/>
+            </a:fontRef>
+          </p:style>
+          <p:txBody>
+            <a:bodyPr rtlCol="0" anchor="ctr"/>
+            <a:lstStyle/>
+            <a:p>
+              <a:pPr algn="ctr"/>
+              <a:r>
+                <a:rPr lang="en-US" altLang="zh-CN" dirty="0" smtClean="0">
+                  <a:latin typeface="Arial" panose="020B0604020202020204" pitchFamily="34" charset="0"/>
+                  <a:cs typeface="Arial" panose="020B0604020202020204" pitchFamily="34" charset="0"/>
+                </a:rPr>
+                <a:t>4</a:t>
+              </a:r>
+              <a:endParaRPr lang="zh-CN" altLang="en-US" dirty="0">
                 <a:latin typeface="Arial" panose="020B0604020202020204" pitchFamily="34" charset="0"/>
                 <a:cs typeface="Arial" panose="020B0604020202020204" pitchFamily="34" charset="0"/>
-              </a:rPr>
-              <a:t>4</a:t>
-            </a:r>
-            <a:endParaRPr lang="zh-CN" altLang="en-US" dirty="0">
-              <a:latin typeface="Arial" panose="020B0604020202020204" pitchFamily="34" charset="0"/>
-              <a:cs typeface="Arial" panose="020B0604020202020204" pitchFamily="34" charset="0"/>
-            </a:endParaRPr>
-          </a:p>
-        </p:txBody>
-      </p:sp>
-      <p:sp>
-        <p:nvSpPr>
-          <p:cNvPr id="17" name="右箭头 16"/>
-          <p:cNvSpPr/>
-          <p:nvPr/>
-        </p:nvSpPr>
-        <p:spPr>
-          <a:xfrm>
-            <a:off x="3680847" y="2836189"/>
-            <a:ext cx="247536" cy="379709"/>
-          </a:xfrm>
-          <a:prstGeom prst="rightArrow">
-            <a:avLst/>
-          </a:prstGeom>
-          <a:solidFill>
-            <a:schemeClr val="accent3">
-              <a:alpha val="50000"/>
-            </a:schemeClr>
-          </a:solidFill>
-          <a:ln>
-            <a:noFill/>
-          </a:ln>
-        </p:spPr>
-        <p:style>
-          <a:lnRef idx="0">
-            <a:scrgbClr r="0" g="0" b="0"/>
-          </a:lnRef>
-          <a:fillRef idx="0">
-            <a:scrgbClr r="0" g="0" b="0"/>
-          </a:fillRef>
-          <a:effectRef idx="0">
-            <a:scrgbClr r="0" g="0" b="0"/>
-          </a:effectRef>
-          <a:fontRef idx="minor">
-            <a:schemeClr val="lt1"/>
-          </a:fontRef>
-        </p:style>
-        <p:txBody>
-          <a:bodyPr rtlCol="0" anchor="ctr"/>
-          <a:lstStyle/>
-          <a:p>
-            <a:pPr algn="ctr"/>
-            <a:endParaRPr lang="zh-CN" altLang="en-US"/>
-          </a:p>
-        </p:txBody>
-      </p:sp>
-      <p:sp>
-        <p:nvSpPr>
-          <p:cNvPr id="18" name="右箭头 17"/>
-          <p:cNvSpPr/>
-          <p:nvPr/>
-        </p:nvSpPr>
-        <p:spPr>
-          <a:xfrm>
-            <a:off x="5921322" y="2856574"/>
-            <a:ext cx="247536" cy="379709"/>
-          </a:xfrm>
-          <a:prstGeom prst="rightArrow">
-            <a:avLst/>
-          </a:prstGeom>
-          <a:solidFill>
-            <a:schemeClr val="accent3">
-              <a:alpha val="50000"/>
-            </a:schemeClr>
-          </a:solidFill>
-          <a:ln>
-            <a:noFill/>
-          </a:ln>
-        </p:spPr>
-        <p:style>
-          <a:lnRef idx="0">
-            <a:scrgbClr r="0" g="0" b="0"/>
-          </a:lnRef>
-          <a:fillRef idx="0">
-            <a:scrgbClr r="0" g="0" b="0"/>
-          </a:fillRef>
-          <a:effectRef idx="0">
-            <a:scrgbClr r="0" g="0" b="0"/>
-          </a:effectRef>
-          <a:fontRef idx="minor">
-            <a:schemeClr val="lt1"/>
-          </a:fontRef>
-        </p:style>
-        <p:txBody>
-          <a:bodyPr rtlCol="0" anchor="ctr"/>
-          <a:lstStyle/>
-          <a:p>
-            <a:pPr algn="ctr"/>
-            <a:endParaRPr lang="zh-CN" altLang="en-US"/>
-          </a:p>
-        </p:txBody>
-      </p:sp>
-      <p:sp>
-        <p:nvSpPr>
-          <p:cNvPr id="19" name="右箭头 18"/>
-          <p:cNvSpPr/>
-          <p:nvPr/>
-        </p:nvSpPr>
-        <p:spPr>
-          <a:xfrm>
-            <a:off x="8238197" y="2856574"/>
-            <a:ext cx="247536" cy="379709"/>
-          </a:xfrm>
-          <a:prstGeom prst="rightArrow">
-            <a:avLst/>
-          </a:prstGeom>
-          <a:solidFill>
-            <a:schemeClr val="accent3">
-              <a:alpha val="50000"/>
-            </a:schemeClr>
-          </a:solidFill>
-          <a:ln>
-            <a:noFill/>
-          </a:ln>
-        </p:spPr>
-        <p:style>
-          <a:lnRef idx="0">
-            <a:scrgbClr r="0" g="0" b="0"/>
-          </a:lnRef>
-          <a:fillRef idx="0">
-            <a:scrgbClr r="0" g="0" b="0"/>
-          </a:fillRef>
-          <a:effectRef idx="0">
-            <a:scrgbClr r="0" g="0" b="0"/>
-          </a:effectRef>
-          <a:fontRef idx="minor">
-            <a:schemeClr val="lt1"/>
-          </a:fontRef>
-        </p:style>
-        <p:txBody>
-          <a:bodyPr rtlCol="0" anchor="ctr"/>
-          <a:lstStyle/>
-          <a:p>
-            <a:pPr algn="ctr"/>
-            <a:endParaRPr lang="zh-CN" altLang="en-US"/>
-          </a:p>
-        </p:txBody>
-      </p:sp>
+              </a:endParaRPr>
+            </a:p>
+          </p:txBody>
+        </p:sp>
+        <p:sp>
+          <p:nvSpPr>
+            <p:cNvPr id="17" name="右箭头 16"/>
+            <p:cNvSpPr/>
+            <p:nvPr/>
+          </p:nvSpPr>
+          <p:spPr>
+            <a:xfrm>
+              <a:off x="3680847" y="2836189"/>
+              <a:ext cx="247536" cy="379709"/>
+            </a:xfrm>
+            <a:prstGeom prst="rightArrow">
+              <a:avLst/>
+            </a:prstGeom>
+            <a:solidFill>
+              <a:schemeClr val="accent3">
+                <a:alpha val="50000"/>
+              </a:schemeClr>
+            </a:solidFill>
+            <a:ln>
+              <a:noFill/>
+            </a:ln>
+          </p:spPr>
+          <p:style>
+            <a:lnRef idx="0">
+              <a:scrgbClr r="0" g="0" b="0"/>
+            </a:lnRef>
+            <a:fillRef idx="0">
+              <a:scrgbClr r="0" g="0" b="0"/>
+            </a:fillRef>
+            <a:effectRef idx="0">
+              <a:scrgbClr r="0" g="0" b="0"/>
+            </a:effectRef>
+            <a:fontRef idx="minor">
+              <a:schemeClr val="lt1"/>
+            </a:fontRef>
+          </p:style>
+          <p:txBody>
+            <a:bodyPr rtlCol="0" anchor="ctr"/>
+            <a:lstStyle/>
+            <a:p>
+              <a:pPr algn="ctr"/>
+              <a:endParaRPr lang="zh-CN" altLang="en-US"/>
+            </a:p>
+          </p:txBody>
+        </p:sp>
+        <p:sp>
+          <p:nvSpPr>
+            <p:cNvPr id="18" name="右箭头 17"/>
+            <p:cNvSpPr/>
+            <p:nvPr/>
+          </p:nvSpPr>
+          <p:spPr>
+            <a:xfrm>
+              <a:off x="5921322" y="2856574"/>
+              <a:ext cx="247536" cy="379709"/>
+            </a:xfrm>
+            <a:prstGeom prst="rightArrow">
+              <a:avLst/>
+            </a:prstGeom>
+            <a:solidFill>
+              <a:schemeClr val="accent3">
+                <a:alpha val="50000"/>
+              </a:schemeClr>
+            </a:solidFill>
+            <a:ln>
+              <a:noFill/>
+            </a:ln>
+          </p:spPr>
+          <p:style>
+            <a:lnRef idx="0">
+              <a:scrgbClr r="0" g="0" b="0"/>
+            </a:lnRef>
+            <a:fillRef idx="0">
+              <a:scrgbClr r="0" g="0" b="0"/>
+            </a:fillRef>
+            <a:effectRef idx="0">
+              <a:scrgbClr r="0" g="0" b="0"/>
+            </a:effectRef>
+            <a:fontRef idx="minor">
+              <a:schemeClr val="lt1"/>
+            </a:fontRef>
+          </p:style>
+          <p:txBody>
+            <a:bodyPr rtlCol="0" anchor="ctr"/>
+            <a:lstStyle/>
+            <a:p>
+              <a:pPr algn="ctr"/>
+              <a:endParaRPr lang="zh-CN" altLang="en-US"/>
+            </a:p>
+          </p:txBody>
+        </p:sp>
+        <p:sp>
+          <p:nvSpPr>
+            <p:cNvPr id="19" name="右箭头 18"/>
+            <p:cNvSpPr/>
+            <p:nvPr/>
+          </p:nvSpPr>
+          <p:spPr>
+            <a:xfrm>
+              <a:off x="8238197" y="2856574"/>
+              <a:ext cx="247536" cy="379709"/>
+            </a:xfrm>
+            <a:prstGeom prst="rightArrow">
+              <a:avLst/>
+            </a:prstGeom>
+            <a:solidFill>
+              <a:schemeClr val="accent3">
+                <a:alpha val="50000"/>
+              </a:schemeClr>
+            </a:solidFill>
+            <a:ln>
+              <a:noFill/>
+            </a:ln>
+          </p:spPr>
+          <p:style>
+            <a:lnRef idx="0">
+              <a:scrgbClr r="0" g="0" b="0"/>
+            </a:lnRef>
+            <a:fillRef idx="0">
+              <a:scrgbClr r="0" g="0" b="0"/>
+            </a:fillRef>
+            <a:effectRef idx="0">
+              <a:scrgbClr r="0" g="0" b="0"/>
+            </a:effectRef>
+            <a:fontRef idx="minor">
+              <a:schemeClr val="lt1"/>
+            </a:fontRef>
+          </p:style>
+          <p:txBody>
+            <a:bodyPr rtlCol="0" anchor="ctr"/>
+            <a:lstStyle/>
+            <a:p>
+              <a:pPr algn="ctr"/>
+              <a:endParaRPr lang="zh-CN" altLang="en-US"/>
+            </a:p>
+          </p:txBody>
+        </p:sp>
+      </p:grpSp>
     </p:spTree>
     <p:extLst>
       <p:ext uri="{BB962C8B-B14F-4D97-AF65-F5344CB8AC3E}">
@@ -3583,532 +3622,585 @@
           <a:chExt cx="0" cy="0"/>
         </a:xfrm>
       </p:grpSpPr>
-      <p:sp>
-        <p:nvSpPr>
-          <p:cNvPr id="6" name="矩形 5"/>
-          <p:cNvSpPr/>
+      <p:grpSp>
+        <p:nvGrpSpPr>
+          <p:cNvPr id="2" name="Group 1"/>
+          <p:cNvGrpSpPr/>
           <p:nvPr/>
-        </p:nvSpPr>
-        <p:spPr>
-          <a:xfrm>
-            <a:off x="2078182" y="2392680"/>
-            <a:ext cx="6391564" cy="2522220"/>
-          </a:xfrm>
-          <a:prstGeom prst="rect">
-            <a:avLst/>
-          </a:prstGeom>
-          <a:solidFill>
-            <a:schemeClr val="accent3">
-              <a:alpha val="20000"/>
-            </a:schemeClr>
-          </a:solidFill>
-          <a:ln>
-            <a:noFill/>
-          </a:ln>
-        </p:spPr>
-        <p:style>
-          <a:lnRef idx="0">
-            <a:scrgbClr r="0" g="0" b="0"/>
-          </a:lnRef>
-          <a:fillRef idx="0">
-            <a:scrgbClr r="0" g="0" b="0"/>
-          </a:fillRef>
-          <a:effectRef idx="0">
-            <a:scrgbClr r="0" g="0" b="0"/>
-          </a:effectRef>
-          <a:fontRef idx="minor">
-            <a:schemeClr val="lt1"/>
-          </a:fontRef>
-        </p:style>
-        <p:txBody>
-          <a:bodyPr rtlCol="0" anchor="ctr"/>
-          <a:lstStyle/>
-          <a:p>
-            <a:pPr algn="ctr"/>
-            <a:endParaRPr lang="zh-CN" altLang="en-US" sz="1200"/>
-          </a:p>
-        </p:txBody>
-      </p:sp>
-      <p:sp>
-        <p:nvSpPr>
-          <p:cNvPr id="7" name="矩形 6"/>
-          <p:cNvSpPr/>
-          <p:nvPr/>
-        </p:nvSpPr>
-        <p:spPr>
-          <a:xfrm>
-            <a:off x="4640811" y="2539999"/>
-            <a:ext cx="1265382" cy="434110"/>
-          </a:xfrm>
-          <a:prstGeom prst="rect">
-            <a:avLst/>
-          </a:prstGeom>
-          <a:solidFill>
-            <a:srgbClr val="002060">
-              <a:alpha val="50000"/>
-            </a:srgbClr>
-          </a:solidFill>
-          <a:ln>
-            <a:noFill/>
-          </a:ln>
-        </p:spPr>
-        <p:style>
-          <a:lnRef idx="0">
-            <a:scrgbClr r="0" g="0" b="0"/>
-          </a:lnRef>
-          <a:fillRef idx="0">
-            <a:scrgbClr r="0" g="0" b="0"/>
-          </a:fillRef>
-          <a:effectRef idx="0">
-            <a:scrgbClr r="0" g="0" b="0"/>
-          </a:effectRef>
-          <a:fontRef idx="minor">
-            <a:schemeClr val="lt1"/>
-          </a:fontRef>
-        </p:style>
-        <p:txBody>
-          <a:bodyPr rtlCol="0" anchor="ctr"/>
-          <a:lstStyle/>
-          <a:p>
-            <a:pPr algn="ctr"/>
-            <a:r>
-              <a:rPr lang="en-US" altLang="zh-CN" sz="1200" dirty="0" smtClean="0"/>
-              <a:t>Task </a:t>
-            </a:r>
-            <a:r>
-              <a:rPr lang="en-US" altLang="zh-CN" sz="1200" dirty="0" smtClean="0"/>
-              <a:t>0</a:t>
-            </a:r>
-            <a:endParaRPr lang="zh-CN" altLang="en-US" sz="1200" dirty="0"/>
-          </a:p>
-        </p:txBody>
-      </p:sp>
-      <p:sp>
-        <p:nvSpPr>
-          <p:cNvPr id="8" name="矩形 7"/>
-          <p:cNvSpPr/>
-          <p:nvPr/>
-        </p:nvSpPr>
-        <p:spPr>
-          <a:xfrm>
-            <a:off x="3375429" y="3408217"/>
-            <a:ext cx="1265382" cy="434110"/>
-          </a:xfrm>
-          <a:prstGeom prst="rect">
-            <a:avLst/>
-          </a:prstGeom>
-          <a:solidFill>
-            <a:srgbClr val="002060">
-              <a:alpha val="50000"/>
-            </a:srgbClr>
-          </a:solidFill>
-          <a:ln>
-            <a:noFill/>
-          </a:ln>
-        </p:spPr>
-        <p:style>
-          <a:lnRef idx="0">
-            <a:scrgbClr r="0" g="0" b="0"/>
-          </a:lnRef>
-          <a:fillRef idx="0">
-            <a:scrgbClr r="0" g="0" b="0"/>
-          </a:fillRef>
-          <a:effectRef idx="0">
-            <a:scrgbClr r="0" g="0" b="0"/>
-          </a:effectRef>
-          <a:fontRef idx="minor">
-            <a:schemeClr val="lt1"/>
-          </a:fontRef>
-        </p:style>
-        <p:txBody>
-          <a:bodyPr rtlCol="0" anchor="ctr"/>
-          <a:lstStyle/>
-          <a:p>
-            <a:pPr algn="ctr"/>
-            <a:r>
-              <a:rPr lang="en-US" altLang="zh-CN" sz="1200" dirty="0" smtClean="0"/>
-              <a:t>Task </a:t>
-            </a:r>
-            <a:r>
-              <a:rPr lang="en-US" altLang="zh-CN" sz="1200" dirty="0" smtClean="0"/>
-              <a:t>1</a:t>
-            </a:r>
-            <a:endParaRPr lang="zh-CN" altLang="en-US" sz="1200" dirty="0"/>
-          </a:p>
-        </p:txBody>
-      </p:sp>
-      <p:sp>
-        <p:nvSpPr>
-          <p:cNvPr id="9" name="矩形 8"/>
-          <p:cNvSpPr/>
-          <p:nvPr/>
-        </p:nvSpPr>
-        <p:spPr>
-          <a:xfrm>
-            <a:off x="5900192" y="3408217"/>
-            <a:ext cx="1265382" cy="434110"/>
-          </a:xfrm>
-          <a:prstGeom prst="rect">
-            <a:avLst/>
-          </a:prstGeom>
-          <a:solidFill>
-            <a:srgbClr val="002060">
-              <a:alpha val="50000"/>
-            </a:srgbClr>
-          </a:solidFill>
-          <a:ln>
-            <a:noFill/>
-          </a:ln>
-        </p:spPr>
-        <p:style>
-          <a:lnRef idx="0">
-            <a:scrgbClr r="0" g="0" b="0"/>
-          </a:lnRef>
-          <a:fillRef idx="0">
-            <a:scrgbClr r="0" g="0" b="0"/>
-          </a:fillRef>
-          <a:effectRef idx="0">
-            <a:scrgbClr r="0" g="0" b="0"/>
-          </a:effectRef>
-          <a:fontRef idx="minor">
-            <a:schemeClr val="lt1"/>
-          </a:fontRef>
-        </p:style>
-        <p:txBody>
-          <a:bodyPr rtlCol="0" anchor="ctr"/>
-          <a:lstStyle/>
-          <a:p>
-            <a:pPr algn="ctr"/>
-            <a:r>
-              <a:rPr lang="en-US" altLang="zh-CN" sz="1200" dirty="0" smtClean="0"/>
-              <a:t>Task </a:t>
-            </a:r>
-            <a:r>
-              <a:rPr lang="en-US" altLang="zh-CN" sz="1200" dirty="0" smtClean="0"/>
-              <a:t>2</a:t>
-            </a:r>
-            <a:endParaRPr lang="zh-CN" altLang="en-US" sz="1200" dirty="0"/>
-          </a:p>
-        </p:txBody>
-      </p:sp>
-      <p:sp>
-        <p:nvSpPr>
-          <p:cNvPr id="10" name="矩形 9"/>
-          <p:cNvSpPr/>
-          <p:nvPr/>
-        </p:nvSpPr>
-        <p:spPr>
-          <a:xfrm>
-            <a:off x="5900192" y="4276435"/>
-            <a:ext cx="1265382" cy="434110"/>
-          </a:xfrm>
-          <a:prstGeom prst="rect">
-            <a:avLst/>
-          </a:prstGeom>
-          <a:solidFill>
-            <a:srgbClr val="002060">
-              <a:alpha val="50000"/>
-            </a:srgbClr>
-          </a:solidFill>
-          <a:ln>
-            <a:noFill/>
-          </a:ln>
-        </p:spPr>
-        <p:style>
-          <a:lnRef idx="0">
-            <a:scrgbClr r="0" g="0" b="0"/>
-          </a:lnRef>
-          <a:fillRef idx="0">
-            <a:scrgbClr r="0" g="0" b="0"/>
-          </a:fillRef>
-          <a:effectRef idx="0">
-            <a:scrgbClr r="0" g="0" b="0"/>
-          </a:effectRef>
-          <a:fontRef idx="minor">
-            <a:schemeClr val="lt1"/>
-          </a:fontRef>
-        </p:style>
-        <p:txBody>
-          <a:bodyPr rtlCol="0" anchor="ctr"/>
-          <a:lstStyle/>
-          <a:p>
-            <a:pPr algn="ctr"/>
-            <a:r>
-              <a:rPr lang="en-US" altLang="zh-CN" sz="1200" dirty="0" smtClean="0"/>
-              <a:t>Task </a:t>
-            </a:r>
-            <a:r>
-              <a:rPr lang="en-US" altLang="zh-CN" sz="1200" dirty="0" smtClean="0"/>
-              <a:t>3</a:t>
-            </a:r>
-            <a:endParaRPr lang="zh-CN" altLang="en-US" sz="1200" dirty="0"/>
-          </a:p>
-        </p:txBody>
-      </p:sp>
-      <p:cxnSp>
-        <p:nvCxnSpPr>
-          <p:cNvPr id="12" name="直接箭头连接符 11"/>
-          <p:cNvCxnSpPr>
-            <a:stCxn id="7" idx="2"/>
-            <a:endCxn id="8" idx="0"/>
-          </p:cNvCxnSpPr>
-          <p:nvPr/>
-        </p:nvCxnSpPr>
-        <p:spPr>
-          <a:xfrm flipH="1">
-            <a:off x="4008120" y="2974109"/>
-            <a:ext cx="1265382" cy="434108"/>
-          </a:xfrm>
-          <a:prstGeom prst="straightConnector1">
-            <a:avLst/>
-          </a:prstGeom>
-          <a:ln w="19050" cap="flat" cmpd="sng" algn="ctr">
-            <a:solidFill>
-              <a:schemeClr val="accent3"/>
-            </a:solidFill>
-            <a:prstDash val="solid"/>
-            <a:round/>
-            <a:headEnd type="none" w="med" len="med"/>
-            <a:tailEnd type="arrow" w="med" len="med"/>
-          </a:ln>
-        </p:spPr>
-        <p:style>
-          <a:lnRef idx="0">
-            <a:scrgbClr r="0" g="0" b="0"/>
-          </a:lnRef>
-          <a:fillRef idx="0">
-            <a:scrgbClr r="0" g="0" b="0"/>
-          </a:fillRef>
-          <a:effectRef idx="0">
-            <a:scrgbClr r="0" g="0" b="0"/>
-          </a:effectRef>
-          <a:fontRef idx="minor">
-            <a:schemeClr val="tx1"/>
-          </a:fontRef>
-        </p:style>
-      </p:cxnSp>
-      <p:cxnSp>
-        <p:nvCxnSpPr>
-          <p:cNvPr id="14" name="直接箭头连接符 13"/>
-          <p:cNvCxnSpPr>
-            <a:stCxn id="7" idx="2"/>
-            <a:endCxn id="9" idx="0"/>
-          </p:cNvCxnSpPr>
-          <p:nvPr/>
-        </p:nvCxnSpPr>
-        <p:spPr>
-          <a:xfrm>
-            <a:off x="5273502" y="2974109"/>
-            <a:ext cx="1259381" cy="434108"/>
-          </a:xfrm>
-          <a:prstGeom prst="straightConnector1">
-            <a:avLst/>
-          </a:prstGeom>
-          <a:ln w="19050" cap="flat" cmpd="sng" algn="ctr">
-            <a:solidFill>
-              <a:schemeClr val="accent3"/>
-            </a:solidFill>
-            <a:prstDash val="solid"/>
-            <a:round/>
-            <a:headEnd type="none" w="med" len="med"/>
-            <a:tailEnd type="arrow" w="med" len="med"/>
-          </a:ln>
-        </p:spPr>
-        <p:style>
-          <a:lnRef idx="0">
-            <a:scrgbClr r="0" g="0" b="0"/>
-          </a:lnRef>
-          <a:fillRef idx="0">
-            <a:scrgbClr r="0" g="0" b="0"/>
-          </a:fillRef>
-          <a:effectRef idx="0">
-            <a:scrgbClr r="0" g="0" b="0"/>
-          </a:effectRef>
-          <a:fontRef idx="minor">
-            <a:schemeClr val="tx1"/>
-          </a:fontRef>
-        </p:style>
-      </p:cxnSp>
-      <p:cxnSp>
-        <p:nvCxnSpPr>
-          <p:cNvPr id="16" name="直接箭头连接符 15"/>
-          <p:cNvCxnSpPr>
-            <a:stCxn id="9" idx="2"/>
-            <a:endCxn id="10" idx="0"/>
-          </p:cNvCxnSpPr>
-          <p:nvPr/>
-        </p:nvCxnSpPr>
-        <p:spPr>
-          <a:xfrm>
-            <a:off x="6532883" y="3842327"/>
-            <a:ext cx="0" cy="434108"/>
-          </a:xfrm>
-          <a:prstGeom prst="straightConnector1">
-            <a:avLst/>
-          </a:prstGeom>
-          <a:ln w="19050" cap="flat" cmpd="sng" algn="ctr">
-            <a:solidFill>
-              <a:schemeClr val="accent3"/>
-            </a:solidFill>
-            <a:prstDash val="solid"/>
-            <a:round/>
-            <a:headEnd type="none" w="med" len="med"/>
-            <a:tailEnd type="arrow" w="med" len="med"/>
-          </a:ln>
-        </p:spPr>
-        <p:style>
-          <a:lnRef idx="0">
-            <a:scrgbClr r="0" g="0" b="0"/>
-          </a:lnRef>
-          <a:fillRef idx="0">
-            <a:scrgbClr r="0" g="0" b="0"/>
-          </a:fillRef>
-          <a:effectRef idx="0">
-            <a:scrgbClr r="0" g="0" b="0"/>
-          </a:effectRef>
-          <a:fontRef idx="minor">
-            <a:schemeClr val="tx1"/>
-          </a:fontRef>
-        </p:style>
-      </p:cxnSp>
-      <p:sp>
-        <p:nvSpPr>
-          <p:cNvPr id="19" name="文本框 18"/>
-          <p:cNvSpPr txBox="1"/>
-          <p:nvPr/>
-        </p:nvSpPr>
-        <p:spPr>
+        </p:nvGrpSpPr>
+        <p:grpSpPr>
           <a:xfrm>
             <a:off x="2078182" y="2023348"/>
-            <a:ext cx="4027054" cy="369332"/>
+            <a:ext cx="6391564" cy="2891552"/>
+            <a:chOff x="2078182" y="2023348"/>
+            <a:chExt cx="6391564" cy="2891552"/>
           </a:xfrm>
-          <a:prstGeom prst="rect">
-            <a:avLst/>
-          </a:prstGeom>
-          <a:noFill/>
-        </p:spPr>
-        <p:txBody>
-          <a:bodyPr wrap="square" rtlCol="0">
-            <a:spAutoFit/>
-          </a:bodyPr>
-          <a:lstStyle/>
-          <a:p>
-            <a:r>
-              <a:rPr lang="en-US" altLang="zh-CN" b="1" dirty="0" smtClean="0">
+        </p:grpSpPr>
+        <p:sp>
+          <p:nvSpPr>
+            <p:cNvPr id="6" name="矩形 5"/>
+            <p:cNvSpPr/>
+            <p:nvPr/>
+          </p:nvSpPr>
+          <p:spPr>
+            <a:xfrm>
+              <a:off x="2078182" y="2392680"/>
+              <a:ext cx="6391564" cy="2522220"/>
+            </a:xfrm>
+            <a:prstGeom prst="rect">
+              <a:avLst/>
+            </a:prstGeom>
+            <a:solidFill>
+              <a:schemeClr val="accent3">
+                <a:alpha val="20000"/>
+              </a:schemeClr>
+            </a:solidFill>
+            <a:ln>
+              <a:noFill/>
+            </a:ln>
+          </p:spPr>
+          <p:style>
+            <a:lnRef idx="0">
+              <a:scrgbClr r="0" g="0" b="0"/>
+            </a:lnRef>
+            <a:fillRef idx="0">
+              <a:scrgbClr r="0" g="0" b="0"/>
+            </a:fillRef>
+            <a:effectRef idx="0">
+              <a:scrgbClr r="0" g="0" b="0"/>
+            </a:effectRef>
+            <a:fontRef idx="minor">
+              <a:schemeClr val="lt1"/>
+            </a:fontRef>
+          </p:style>
+          <p:txBody>
+            <a:bodyPr rtlCol="0" anchor="ctr"/>
+            <a:lstStyle/>
+            <a:p>
+              <a:pPr algn="ctr"/>
+              <a:endParaRPr lang="zh-CN" altLang="en-US" sz="1200"/>
+            </a:p>
+          </p:txBody>
+        </p:sp>
+        <p:sp>
+          <p:nvSpPr>
+            <p:cNvPr id="7" name="矩形 6"/>
+            <p:cNvSpPr/>
+            <p:nvPr/>
+          </p:nvSpPr>
+          <p:spPr>
+            <a:xfrm>
+              <a:off x="4640811" y="2539999"/>
+              <a:ext cx="1265382" cy="434110"/>
+            </a:xfrm>
+            <a:prstGeom prst="rect">
+              <a:avLst/>
+            </a:prstGeom>
+            <a:solidFill>
+              <a:srgbClr val="002060">
+                <a:alpha val="50000"/>
+              </a:srgbClr>
+            </a:solidFill>
+            <a:ln>
+              <a:noFill/>
+            </a:ln>
+          </p:spPr>
+          <p:style>
+            <a:lnRef idx="0">
+              <a:scrgbClr r="0" g="0" b="0"/>
+            </a:lnRef>
+            <a:fillRef idx="0">
+              <a:scrgbClr r="0" g="0" b="0"/>
+            </a:fillRef>
+            <a:effectRef idx="0">
+              <a:scrgbClr r="0" g="0" b="0"/>
+            </a:effectRef>
+            <a:fontRef idx="minor">
+              <a:schemeClr val="lt1"/>
+            </a:fontRef>
+          </p:style>
+          <p:txBody>
+            <a:bodyPr rtlCol="0" anchor="ctr"/>
+            <a:lstStyle/>
+            <a:p>
+              <a:pPr algn="ctr"/>
+              <a:r>
+                <a:rPr lang="zh-CN" altLang="en-US" sz="1200" dirty="0" smtClean="0">
+                  <a:latin typeface="Microsoft YaHei" panose="020B0503020204020204" pitchFamily="34" charset="-122"/>
+                  <a:ea typeface="Microsoft YaHei" panose="020B0503020204020204" pitchFamily="34" charset="-122"/>
+                </a:rPr>
+                <a:t>任务</a:t>
+              </a:r>
+              <a:r>
+                <a:rPr lang="en-US" altLang="zh-CN" sz="1200" dirty="0" smtClean="0">
+                  <a:latin typeface="Microsoft YaHei" panose="020B0503020204020204" pitchFamily="34" charset="-122"/>
+                  <a:ea typeface="Microsoft YaHei" panose="020B0503020204020204" pitchFamily="34" charset="-122"/>
+                </a:rPr>
+                <a:t>0</a:t>
+              </a:r>
+              <a:endParaRPr lang="zh-CN" altLang="en-US" sz="1200" dirty="0">
+                <a:latin typeface="Microsoft YaHei" panose="020B0503020204020204" pitchFamily="34" charset="-122"/>
+                <a:ea typeface="Microsoft YaHei" panose="020B0503020204020204" pitchFamily="34" charset="-122"/>
+              </a:endParaRPr>
+            </a:p>
+          </p:txBody>
+        </p:sp>
+        <p:sp>
+          <p:nvSpPr>
+            <p:cNvPr id="8" name="矩形 7"/>
+            <p:cNvSpPr/>
+            <p:nvPr/>
+          </p:nvSpPr>
+          <p:spPr>
+            <a:xfrm>
+              <a:off x="3375429" y="3408217"/>
+              <a:ext cx="1265382" cy="434110"/>
+            </a:xfrm>
+            <a:prstGeom prst="rect">
+              <a:avLst/>
+            </a:prstGeom>
+            <a:solidFill>
+              <a:srgbClr val="002060">
+                <a:alpha val="50000"/>
+              </a:srgbClr>
+            </a:solidFill>
+            <a:ln>
+              <a:noFill/>
+            </a:ln>
+          </p:spPr>
+          <p:style>
+            <a:lnRef idx="0">
+              <a:scrgbClr r="0" g="0" b="0"/>
+            </a:lnRef>
+            <a:fillRef idx="0">
+              <a:scrgbClr r="0" g="0" b="0"/>
+            </a:fillRef>
+            <a:effectRef idx="0">
+              <a:scrgbClr r="0" g="0" b="0"/>
+            </a:effectRef>
+            <a:fontRef idx="minor">
+              <a:schemeClr val="lt1"/>
+            </a:fontRef>
+          </p:style>
+          <p:txBody>
+            <a:bodyPr rtlCol="0" anchor="ctr"/>
+            <a:lstStyle/>
+            <a:p>
+              <a:pPr algn="ctr"/>
+              <a:r>
+                <a:rPr lang="zh-CN" altLang="en-US" sz="1200" dirty="0" smtClean="0">
+                  <a:latin typeface="Microsoft YaHei" panose="020B0503020204020204" pitchFamily="34" charset="-122"/>
+                  <a:ea typeface="Microsoft YaHei" panose="020B0503020204020204" pitchFamily="34" charset="-122"/>
+                </a:rPr>
+                <a:t>任务</a:t>
+              </a:r>
+              <a:r>
+                <a:rPr lang="en-US" altLang="zh-CN" sz="1200" dirty="0" smtClean="0">
+                  <a:latin typeface="Microsoft YaHei" panose="020B0503020204020204" pitchFamily="34" charset="-122"/>
+                  <a:ea typeface="Microsoft YaHei" panose="020B0503020204020204" pitchFamily="34" charset="-122"/>
+                </a:rPr>
+                <a:t>1</a:t>
+              </a:r>
+              <a:endParaRPr lang="zh-CN" altLang="en-US" sz="1200" dirty="0">
+                <a:latin typeface="Microsoft YaHei" panose="020B0503020204020204" pitchFamily="34" charset="-122"/>
+                <a:ea typeface="Microsoft YaHei" panose="020B0503020204020204" pitchFamily="34" charset="-122"/>
+              </a:endParaRPr>
+            </a:p>
+          </p:txBody>
+        </p:sp>
+        <p:sp>
+          <p:nvSpPr>
+            <p:cNvPr id="9" name="矩形 8"/>
+            <p:cNvSpPr/>
+            <p:nvPr/>
+          </p:nvSpPr>
+          <p:spPr>
+            <a:xfrm>
+              <a:off x="5900192" y="3408217"/>
+              <a:ext cx="1265382" cy="434110"/>
+            </a:xfrm>
+            <a:prstGeom prst="rect">
+              <a:avLst/>
+            </a:prstGeom>
+            <a:solidFill>
+              <a:srgbClr val="002060">
+                <a:alpha val="50000"/>
+              </a:srgbClr>
+            </a:solidFill>
+            <a:ln>
+              <a:noFill/>
+            </a:ln>
+          </p:spPr>
+          <p:style>
+            <a:lnRef idx="0">
+              <a:scrgbClr r="0" g="0" b="0"/>
+            </a:lnRef>
+            <a:fillRef idx="0">
+              <a:scrgbClr r="0" g="0" b="0"/>
+            </a:fillRef>
+            <a:effectRef idx="0">
+              <a:scrgbClr r="0" g="0" b="0"/>
+            </a:effectRef>
+            <a:fontRef idx="minor">
+              <a:schemeClr val="lt1"/>
+            </a:fontRef>
+          </p:style>
+          <p:txBody>
+            <a:bodyPr rtlCol="0" anchor="ctr"/>
+            <a:lstStyle/>
+            <a:p>
+              <a:pPr algn="ctr"/>
+              <a:r>
+                <a:rPr lang="zh-CN" altLang="en-US" sz="1200" dirty="0" smtClean="0">
+                  <a:latin typeface="Microsoft YaHei" panose="020B0503020204020204" pitchFamily="34" charset="-122"/>
+                  <a:ea typeface="Microsoft YaHei" panose="020B0503020204020204" pitchFamily="34" charset="-122"/>
+                </a:rPr>
+                <a:t>任务</a:t>
+              </a:r>
+              <a:r>
+                <a:rPr lang="en-US" altLang="zh-CN" sz="1200" dirty="0">
+                  <a:latin typeface="Microsoft YaHei" panose="020B0503020204020204" pitchFamily="34" charset="-122"/>
+                  <a:ea typeface="Microsoft YaHei" panose="020B0503020204020204" pitchFamily="34" charset="-122"/>
+                </a:rPr>
+                <a:t>2</a:t>
+              </a:r>
+              <a:endParaRPr lang="zh-CN" altLang="en-US" sz="1200" dirty="0">
+                <a:latin typeface="Microsoft YaHei" panose="020B0503020204020204" pitchFamily="34" charset="-122"/>
+                <a:ea typeface="Microsoft YaHei" panose="020B0503020204020204" pitchFamily="34" charset="-122"/>
+              </a:endParaRPr>
+            </a:p>
+          </p:txBody>
+        </p:sp>
+        <p:sp>
+          <p:nvSpPr>
+            <p:cNvPr id="10" name="矩形 9"/>
+            <p:cNvSpPr/>
+            <p:nvPr/>
+          </p:nvSpPr>
+          <p:spPr>
+            <a:xfrm>
+              <a:off x="5900192" y="4276435"/>
+              <a:ext cx="1265382" cy="434110"/>
+            </a:xfrm>
+            <a:prstGeom prst="rect">
+              <a:avLst/>
+            </a:prstGeom>
+            <a:solidFill>
+              <a:srgbClr val="002060">
+                <a:alpha val="50000"/>
+              </a:srgbClr>
+            </a:solidFill>
+            <a:ln>
+              <a:noFill/>
+            </a:ln>
+          </p:spPr>
+          <p:style>
+            <a:lnRef idx="0">
+              <a:scrgbClr r="0" g="0" b="0"/>
+            </a:lnRef>
+            <a:fillRef idx="0">
+              <a:scrgbClr r="0" g="0" b="0"/>
+            </a:fillRef>
+            <a:effectRef idx="0">
+              <a:scrgbClr r="0" g="0" b="0"/>
+            </a:effectRef>
+            <a:fontRef idx="minor">
+              <a:schemeClr val="lt1"/>
+            </a:fontRef>
+          </p:style>
+          <p:txBody>
+            <a:bodyPr rtlCol="0" anchor="ctr"/>
+            <a:lstStyle/>
+            <a:p>
+              <a:pPr algn="ctr"/>
+              <a:r>
+                <a:rPr lang="zh-CN" altLang="en-US" sz="1200" dirty="0" smtClean="0">
+                  <a:latin typeface="Microsoft YaHei" panose="020B0503020204020204" pitchFamily="34" charset="-122"/>
+                  <a:ea typeface="Microsoft YaHei" panose="020B0503020204020204" pitchFamily="34" charset="-122"/>
+                </a:rPr>
+                <a:t>任务</a:t>
+              </a:r>
+              <a:r>
+                <a:rPr lang="en-US" altLang="zh-CN" sz="1200" dirty="0">
+                  <a:latin typeface="Microsoft YaHei" panose="020B0503020204020204" pitchFamily="34" charset="-122"/>
+                  <a:ea typeface="Microsoft YaHei" panose="020B0503020204020204" pitchFamily="34" charset="-122"/>
+                </a:rPr>
+                <a:t>3</a:t>
+              </a:r>
+              <a:endParaRPr lang="zh-CN" altLang="en-US" sz="1200" dirty="0">
+                <a:latin typeface="Microsoft YaHei" panose="020B0503020204020204" pitchFamily="34" charset="-122"/>
+                <a:ea typeface="Microsoft YaHei" panose="020B0503020204020204" pitchFamily="34" charset="-122"/>
+              </a:endParaRPr>
+            </a:p>
+          </p:txBody>
+        </p:sp>
+        <p:cxnSp>
+          <p:nvCxnSpPr>
+            <p:cNvPr id="12" name="直接箭头连接符 11"/>
+            <p:cNvCxnSpPr>
+              <a:stCxn id="7" idx="2"/>
+              <a:endCxn id="8" idx="0"/>
+            </p:cNvCxnSpPr>
+            <p:nvPr/>
+          </p:nvCxnSpPr>
+          <p:spPr>
+            <a:xfrm flipH="1">
+              <a:off x="4008120" y="2974109"/>
+              <a:ext cx="1265382" cy="434108"/>
+            </a:xfrm>
+            <a:prstGeom prst="straightConnector1">
+              <a:avLst/>
+            </a:prstGeom>
+            <a:ln w="19050" cap="flat" cmpd="sng" algn="ctr">
+              <a:solidFill>
+                <a:schemeClr val="accent3"/>
+              </a:solidFill>
+              <a:prstDash val="solid"/>
+              <a:round/>
+              <a:headEnd type="none" w="med" len="med"/>
+              <a:tailEnd type="arrow" w="med" len="med"/>
+            </a:ln>
+          </p:spPr>
+          <p:style>
+            <a:lnRef idx="0">
+              <a:scrgbClr r="0" g="0" b="0"/>
+            </a:lnRef>
+            <a:fillRef idx="0">
+              <a:scrgbClr r="0" g="0" b="0"/>
+            </a:fillRef>
+            <a:effectRef idx="0">
+              <a:scrgbClr r="0" g="0" b="0"/>
+            </a:effectRef>
+            <a:fontRef idx="minor">
+              <a:schemeClr val="tx1"/>
+            </a:fontRef>
+          </p:style>
+        </p:cxnSp>
+        <p:cxnSp>
+          <p:nvCxnSpPr>
+            <p:cNvPr id="14" name="直接箭头连接符 13"/>
+            <p:cNvCxnSpPr>
+              <a:stCxn id="7" idx="2"/>
+              <a:endCxn id="9" idx="0"/>
+            </p:cNvCxnSpPr>
+            <p:nvPr/>
+          </p:nvCxnSpPr>
+          <p:spPr>
+            <a:xfrm>
+              <a:off x="5273502" y="2974109"/>
+              <a:ext cx="1259381" cy="434108"/>
+            </a:xfrm>
+            <a:prstGeom prst="straightConnector1">
+              <a:avLst/>
+            </a:prstGeom>
+            <a:ln w="19050" cap="flat" cmpd="sng" algn="ctr">
+              <a:solidFill>
+                <a:schemeClr val="accent3"/>
+              </a:solidFill>
+              <a:prstDash val="solid"/>
+              <a:round/>
+              <a:headEnd type="none" w="med" len="med"/>
+              <a:tailEnd type="arrow" w="med" len="med"/>
+            </a:ln>
+          </p:spPr>
+          <p:style>
+            <a:lnRef idx="0">
+              <a:scrgbClr r="0" g="0" b="0"/>
+            </a:lnRef>
+            <a:fillRef idx="0">
+              <a:scrgbClr r="0" g="0" b="0"/>
+            </a:fillRef>
+            <a:effectRef idx="0">
+              <a:scrgbClr r="0" g="0" b="0"/>
+            </a:effectRef>
+            <a:fontRef idx="minor">
+              <a:schemeClr val="tx1"/>
+            </a:fontRef>
+          </p:style>
+        </p:cxnSp>
+        <p:cxnSp>
+          <p:nvCxnSpPr>
+            <p:cNvPr id="16" name="直接箭头连接符 15"/>
+            <p:cNvCxnSpPr>
+              <a:stCxn id="9" idx="2"/>
+              <a:endCxn id="10" idx="0"/>
+            </p:cNvCxnSpPr>
+            <p:nvPr/>
+          </p:nvCxnSpPr>
+          <p:spPr>
+            <a:xfrm>
+              <a:off x="6532883" y="3842327"/>
+              <a:ext cx="0" cy="434108"/>
+            </a:xfrm>
+            <a:prstGeom prst="straightConnector1">
+              <a:avLst/>
+            </a:prstGeom>
+            <a:ln w="19050" cap="flat" cmpd="sng" algn="ctr">
+              <a:solidFill>
+                <a:schemeClr val="accent3"/>
+              </a:solidFill>
+              <a:prstDash val="solid"/>
+              <a:round/>
+              <a:headEnd type="none" w="med" len="med"/>
+              <a:tailEnd type="arrow" w="med" len="med"/>
+            </a:ln>
+          </p:spPr>
+          <p:style>
+            <a:lnRef idx="0">
+              <a:scrgbClr r="0" g="0" b="0"/>
+            </a:lnRef>
+            <a:fillRef idx="0">
+              <a:scrgbClr r="0" g="0" b="0"/>
+            </a:fillRef>
+            <a:effectRef idx="0">
+              <a:scrgbClr r="0" g="0" b="0"/>
+            </a:effectRef>
+            <a:fontRef idx="minor">
+              <a:schemeClr val="tx1"/>
+            </a:fontRef>
+          </p:style>
+        </p:cxnSp>
+        <p:sp>
+          <p:nvSpPr>
+            <p:cNvPr id="19" name="文本框 18"/>
+            <p:cNvSpPr txBox="1"/>
+            <p:nvPr/>
+          </p:nvSpPr>
+          <p:spPr>
+            <a:xfrm>
+              <a:off x="2078182" y="2023348"/>
+              <a:ext cx="4027054" cy="369332"/>
+            </a:xfrm>
+            <a:prstGeom prst="rect">
+              <a:avLst/>
+            </a:prstGeom>
+            <a:noFill/>
+          </p:spPr>
+          <p:txBody>
+            <a:bodyPr wrap="square" rtlCol="0">
+              <a:spAutoFit/>
+            </a:bodyPr>
+            <a:lstStyle/>
+            <a:p>
+              <a:r>
+                <a:rPr lang="zh-CN" altLang="en-US" b="1" dirty="0" smtClean="0">
+                  <a:solidFill>
+                    <a:schemeClr val="tx1">
+                      <a:lumMod val="75000"/>
+                      <a:lumOff val="25000"/>
+                    </a:schemeClr>
+                  </a:solidFill>
+                  <a:latin typeface="Microsoft YaHei" panose="020B0503020204020204" pitchFamily="34" charset="-122"/>
+                  <a:ea typeface="Microsoft YaHei" panose="020B0503020204020204" pitchFamily="34" charset="-122"/>
+                  <a:cs typeface="Arial" panose="020B0604020202020204" pitchFamily="34" charset="0"/>
+                </a:rPr>
+                <a:t>未配置引用的任务流</a:t>
+              </a:r>
+              <a:endParaRPr lang="zh-CN" altLang="en-US" b="1" dirty="0">
                 <a:solidFill>
                   <a:schemeClr val="tx1">
                     <a:lumMod val="75000"/>
                     <a:lumOff val="25000"/>
                   </a:schemeClr>
                 </a:solidFill>
-                <a:latin typeface="Arial" panose="020B0604020202020204" pitchFamily="34" charset="0"/>
+                <a:latin typeface="Microsoft YaHei" panose="020B0503020204020204" pitchFamily="34" charset="-122"/>
+                <a:ea typeface="Microsoft YaHei" panose="020B0503020204020204" pitchFamily="34" charset="-122"/>
                 <a:cs typeface="Arial" panose="020B0604020202020204" pitchFamily="34" charset="0"/>
-              </a:rPr>
-              <a:t>Workflow without Reference</a:t>
-            </a:r>
-            <a:endParaRPr lang="zh-CN" altLang="en-US" b="1" dirty="0">
-              <a:solidFill>
-                <a:schemeClr val="tx1">
-                  <a:lumMod val="75000"/>
-                  <a:lumOff val="25000"/>
-                </a:schemeClr>
-              </a:solidFill>
-              <a:latin typeface="Arial" panose="020B0604020202020204" pitchFamily="34" charset="0"/>
-              <a:cs typeface="Arial" panose="020B0604020202020204" pitchFamily="34" charset="0"/>
-            </a:endParaRPr>
-          </a:p>
-        </p:txBody>
-      </p:sp>
-      <p:sp>
-        <p:nvSpPr>
-          <p:cNvPr id="25" name="文本框 24"/>
-          <p:cNvSpPr txBox="1"/>
-          <p:nvPr/>
-        </p:nvSpPr>
-        <p:spPr>
-          <a:xfrm>
-            <a:off x="3932845" y="2931342"/>
-            <a:ext cx="777240" cy="276999"/>
-          </a:xfrm>
-          <a:prstGeom prst="rect">
-            <a:avLst/>
-          </a:prstGeom>
-          <a:noFill/>
-        </p:spPr>
-        <p:txBody>
-          <a:bodyPr wrap="square" rtlCol="0">
-            <a:spAutoFit/>
-          </a:bodyPr>
-          <a:lstStyle/>
-          <a:p>
-            <a:r>
-              <a:rPr lang="en-US" altLang="zh-CN" sz="1200" dirty="0" smtClean="0"/>
-              <a:t>True</a:t>
-            </a:r>
-            <a:endParaRPr lang="zh-CN" altLang="en-US" sz="1200" dirty="0"/>
-          </a:p>
-        </p:txBody>
-      </p:sp>
-      <p:sp>
-        <p:nvSpPr>
-          <p:cNvPr id="26" name="文本框 25"/>
-          <p:cNvSpPr txBox="1"/>
-          <p:nvPr/>
-        </p:nvSpPr>
-        <p:spPr>
-          <a:xfrm>
-            <a:off x="5830918" y="2931342"/>
-            <a:ext cx="777240" cy="276999"/>
-          </a:xfrm>
-          <a:prstGeom prst="rect">
-            <a:avLst/>
-          </a:prstGeom>
-          <a:noFill/>
-        </p:spPr>
-        <p:txBody>
-          <a:bodyPr wrap="square" rtlCol="0">
-            <a:spAutoFit/>
-          </a:bodyPr>
-          <a:lstStyle/>
-          <a:p>
-            <a:r>
-              <a:rPr lang="en-US" altLang="zh-CN" sz="1200" dirty="0" smtClean="0"/>
-              <a:t>True</a:t>
-            </a:r>
-            <a:endParaRPr lang="zh-CN" altLang="en-US" sz="1200" dirty="0"/>
-          </a:p>
-        </p:txBody>
-      </p:sp>
-      <p:sp>
-        <p:nvSpPr>
-          <p:cNvPr id="27" name="文本框 26"/>
-          <p:cNvSpPr txBox="1"/>
-          <p:nvPr/>
-        </p:nvSpPr>
-        <p:spPr>
-          <a:xfrm>
-            <a:off x="6532883" y="3874715"/>
-            <a:ext cx="777240" cy="276999"/>
-          </a:xfrm>
-          <a:prstGeom prst="rect">
-            <a:avLst/>
-          </a:prstGeom>
-          <a:noFill/>
-        </p:spPr>
-        <p:txBody>
-          <a:bodyPr wrap="square" rtlCol="0">
-            <a:spAutoFit/>
-          </a:bodyPr>
-          <a:lstStyle/>
-          <a:p>
-            <a:r>
-              <a:rPr lang="en-US" altLang="zh-CN" sz="1200" dirty="0" smtClean="0"/>
-              <a:t>False</a:t>
-            </a:r>
-            <a:endParaRPr lang="zh-CN" altLang="en-US" sz="1200" dirty="0"/>
-          </a:p>
-        </p:txBody>
-      </p:sp>
+              </a:endParaRPr>
+            </a:p>
+          </p:txBody>
+        </p:sp>
+        <p:sp>
+          <p:nvSpPr>
+            <p:cNvPr id="25" name="文本框 24"/>
+            <p:cNvSpPr txBox="1"/>
+            <p:nvPr/>
+          </p:nvSpPr>
+          <p:spPr>
+            <a:xfrm>
+              <a:off x="3932845" y="2931342"/>
+              <a:ext cx="777240" cy="276999"/>
+            </a:xfrm>
+            <a:prstGeom prst="rect">
+              <a:avLst/>
+            </a:prstGeom>
+            <a:noFill/>
+          </p:spPr>
+          <p:txBody>
+            <a:bodyPr wrap="square" rtlCol="0">
+              <a:spAutoFit/>
+            </a:bodyPr>
+            <a:lstStyle/>
+            <a:p>
+              <a:r>
+                <a:rPr lang="en-US" altLang="zh-CN" sz="1200" dirty="0" smtClean="0"/>
+                <a:t>True</a:t>
+              </a:r>
+              <a:endParaRPr lang="zh-CN" altLang="en-US" sz="1200" dirty="0"/>
+            </a:p>
+          </p:txBody>
+        </p:sp>
+        <p:sp>
+          <p:nvSpPr>
+            <p:cNvPr id="26" name="文本框 25"/>
+            <p:cNvSpPr txBox="1"/>
+            <p:nvPr/>
+          </p:nvSpPr>
+          <p:spPr>
+            <a:xfrm>
+              <a:off x="5830918" y="2931342"/>
+              <a:ext cx="777240" cy="276999"/>
+            </a:xfrm>
+            <a:prstGeom prst="rect">
+              <a:avLst/>
+            </a:prstGeom>
+            <a:noFill/>
+          </p:spPr>
+          <p:txBody>
+            <a:bodyPr wrap="square" rtlCol="0">
+              <a:spAutoFit/>
+            </a:bodyPr>
+            <a:lstStyle/>
+            <a:p>
+              <a:r>
+                <a:rPr lang="en-US" altLang="zh-CN" sz="1200" dirty="0" smtClean="0"/>
+                <a:t>True</a:t>
+              </a:r>
+              <a:endParaRPr lang="zh-CN" altLang="en-US" sz="1200" dirty="0"/>
+            </a:p>
+          </p:txBody>
+        </p:sp>
+        <p:sp>
+          <p:nvSpPr>
+            <p:cNvPr id="27" name="文本框 26"/>
+            <p:cNvSpPr txBox="1"/>
+            <p:nvPr/>
+          </p:nvSpPr>
+          <p:spPr>
+            <a:xfrm>
+              <a:off x="6532883" y="3874715"/>
+              <a:ext cx="777240" cy="276999"/>
+            </a:xfrm>
+            <a:prstGeom prst="rect">
+              <a:avLst/>
+            </a:prstGeom>
+            <a:noFill/>
+          </p:spPr>
+          <p:txBody>
+            <a:bodyPr wrap="square" rtlCol="0">
+              <a:spAutoFit/>
+            </a:bodyPr>
+            <a:lstStyle/>
+            <a:p>
+              <a:r>
+                <a:rPr lang="en-US" altLang="zh-CN" sz="1200" dirty="0" smtClean="0"/>
+                <a:t>False</a:t>
+              </a:r>
+              <a:endParaRPr lang="zh-CN" altLang="en-US" sz="1200" dirty="0"/>
+            </a:p>
+          </p:txBody>
+        </p:sp>
+      </p:grpSp>
     </p:spTree>
     <p:extLst>
       <p:ext uri="{BB962C8B-B14F-4D97-AF65-F5344CB8AC3E}">
@@ -4139,362 +4231,415 @@
           <a:chExt cx="0" cy="0"/>
         </a:xfrm>
       </p:grpSpPr>
-      <p:sp>
-        <p:nvSpPr>
-          <p:cNvPr id="4" name="矩形 3"/>
-          <p:cNvSpPr/>
+      <p:grpSp>
+        <p:nvGrpSpPr>
+          <p:cNvPr id="2" name="Group 1"/>
+          <p:cNvGrpSpPr/>
           <p:nvPr/>
-        </p:nvSpPr>
-        <p:spPr>
-          <a:xfrm>
-            <a:off x="2078182" y="2392680"/>
-            <a:ext cx="6391564" cy="2522220"/>
-          </a:xfrm>
-          <a:prstGeom prst="rect">
-            <a:avLst/>
-          </a:prstGeom>
-          <a:solidFill>
-            <a:schemeClr val="accent3">
-              <a:alpha val="20000"/>
-            </a:schemeClr>
-          </a:solidFill>
-          <a:ln>
-            <a:noFill/>
-          </a:ln>
-        </p:spPr>
-        <p:style>
-          <a:lnRef idx="0">
-            <a:scrgbClr r="0" g="0" b="0"/>
-          </a:lnRef>
-          <a:fillRef idx="0">
-            <a:scrgbClr r="0" g="0" b="0"/>
-          </a:fillRef>
-          <a:effectRef idx="0">
-            <a:scrgbClr r="0" g="0" b="0"/>
-          </a:effectRef>
-          <a:fontRef idx="minor">
-            <a:schemeClr val="lt1"/>
-          </a:fontRef>
-        </p:style>
-        <p:txBody>
-          <a:bodyPr rtlCol="0" anchor="ctr"/>
-          <a:lstStyle/>
-          <a:p>
-            <a:pPr algn="ctr"/>
-            <a:endParaRPr lang="zh-CN" altLang="en-US" sz="1200"/>
-          </a:p>
-        </p:txBody>
-      </p:sp>
-      <p:sp>
-        <p:nvSpPr>
-          <p:cNvPr id="6" name="矩形 5"/>
-          <p:cNvSpPr/>
-          <p:nvPr/>
-        </p:nvSpPr>
-        <p:spPr>
-          <a:xfrm>
-            <a:off x="3375429" y="3408217"/>
-            <a:ext cx="1265382" cy="434110"/>
-          </a:xfrm>
-          <a:prstGeom prst="rect">
-            <a:avLst/>
-          </a:prstGeom>
-          <a:solidFill>
-            <a:srgbClr val="002060">
-              <a:alpha val="50000"/>
-            </a:srgbClr>
-          </a:solidFill>
-          <a:ln>
-            <a:noFill/>
-          </a:ln>
-        </p:spPr>
-        <p:style>
-          <a:lnRef idx="0">
-            <a:scrgbClr r="0" g="0" b="0"/>
-          </a:lnRef>
-          <a:fillRef idx="0">
-            <a:scrgbClr r="0" g="0" b="0"/>
-          </a:fillRef>
-          <a:effectRef idx="0">
-            <a:scrgbClr r="0" g="0" b="0"/>
-          </a:effectRef>
-          <a:fontRef idx="minor">
-            <a:schemeClr val="lt1"/>
-          </a:fontRef>
-        </p:style>
-        <p:txBody>
-          <a:bodyPr rtlCol="0" anchor="ctr"/>
-          <a:lstStyle/>
-          <a:p>
-            <a:pPr algn="ctr"/>
-            <a:r>
-              <a:rPr lang="en-US" altLang="zh-CN" sz="1200" dirty="0" smtClean="0"/>
-              <a:t>Task </a:t>
-            </a:r>
-            <a:r>
-              <a:rPr lang="en-US" altLang="zh-CN" sz="1200" dirty="0" smtClean="0"/>
-              <a:t>1</a:t>
-            </a:r>
-            <a:endParaRPr lang="zh-CN" altLang="en-US" sz="1200" dirty="0"/>
-          </a:p>
-        </p:txBody>
-      </p:sp>
-      <p:sp>
-        <p:nvSpPr>
-          <p:cNvPr id="7" name="矩形 6"/>
-          <p:cNvSpPr/>
-          <p:nvPr/>
-        </p:nvSpPr>
-        <p:spPr>
-          <a:xfrm>
-            <a:off x="5900192" y="3408217"/>
-            <a:ext cx="1265382" cy="434110"/>
-          </a:xfrm>
-          <a:prstGeom prst="rect">
-            <a:avLst/>
-          </a:prstGeom>
-          <a:solidFill>
-            <a:srgbClr val="002060">
-              <a:alpha val="50000"/>
-            </a:srgbClr>
-          </a:solidFill>
-          <a:ln>
-            <a:noFill/>
-          </a:ln>
-        </p:spPr>
-        <p:style>
-          <a:lnRef idx="0">
-            <a:scrgbClr r="0" g="0" b="0"/>
-          </a:lnRef>
-          <a:fillRef idx="0">
-            <a:scrgbClr r="0" g="0" b="0"/>
-          </a:fillRef>
-          <a:effectRef idx="0">
-            <a:scrgbClr r="0" g="0" b="0"/>
-          </a:effectRef>
-          <a:fontRef idx="minor">
-            <a:schemeClr val="lt1"/>
-          </a:fontRef>
-        </p:style>
-        <p:txBody>
-          <a:bodyPr rtlCol="0" anchor="ctr"/>
-          <a:lstStyle/>
-          <a:p>
-            <a:pPr algn="ctr"/>
-            <a:r>
-              <a:rPr lang="en-US" altLang="zh-CN" sz="1200" dirty="0" smtClean="0"/>
-              <a:t>Task </a:t>
-            </a:r>
-            <a:r>
-              <a:rPr lang="en-US" altLang="zh-CN" sz="1200" dirty="0" smtClean="0"/>
-              <a:t>2</a:t>
-            </a:r>
-            <a:endParaRPr lang="zh-CN" altLang="en-US" sz="1200" dirty="0"/>
-          </a:p>
-        </p:txBody>
-      </p:sp>
-      <p:sp>
-        <p:nvSpPr>
-          <p:cNvPr id="8" name="矩形 7"/>
-          <p:cNvSpPr/>
-          <p:nvPr/>
-        </p:nvSpPr>
-        <p:spPr>
-          <a:xfrm>
-            <a:off x="5900192" y="4276435"/>
-            <a:ext cx="1265382" cy="434110"/>
-          </a:xfrm>
-          <a:prstGeom prst="rect">
-            <a:avLst/>
-          </a:prstGeom>
-          <a:solidFill>
-            <a:srgbClr val="002060">
-              <a:alpha val="50000"/>
-            </a:srgbClr>
-          </a:solidFill>
-          <a:ln>
-            <a:noFill/>
-          </a:ln>
-        </p:spPr>
-        <p:style>
-          <a:lnRef idx="0">
-            <a:scrgbClr r="0" g="0" b="0"/>
-          </a:lnRef>
-          <a:fillRef idx="0">
-            <a:scrgbClr r="0" g="0" b="0"/>
-          </a:fillRef>
-          <a:effectRef idx="0">
-            <a:scrgbClr r="0" g="0" b="0"/>
-          </a:effectRef>
-          <a:fontRef idx="minor">
-            <a:schemeClr val="lt1"/>
-          </a:fontRef>
-        </p:style>
-        <p:txBody>
-          <a:bodyPr rtlCol="0" anchor="ctr"/>
-          <a:lstStyle/>
-          <a:p>
-            <a:pPr algn="ctr"/>
-            <a:r>
-              <a:rPr lang="en-US" altLang="zh-CN" sz="1200" dirty="0" smtClean="0"/>
-              <a:t>Task </a:t>
-            </a:r>
-            <a:r>
-              <a:rPr lang="en-US" altLang="zh-CN" sz="1200" dirty="0" smtClean="0"/>
-              <a:t>3</a:t>
-            </a:r>
-            <a:endParaRPr lang="zh-CN" altLang="en-US" sz="1200" dirty="0"/>
-          </a:p>
-        </p:txBody>
-      </p:sp>
-      <p:cxnSp>
-        <p:nvCxnSpPr>
-          <p:cNvPr id="9" name="直接箭头连接符 8"/>
-          <p:cNvCxnSpPr>
-            <a:endCxn id="6" idx="0"/>
-          </p:cNvCxnSpPr>
-          <p:nvPr/>
-        </p:nvCxnSpPr>
-        <p:spPr>
-          <a:xfrm flipH="1">
-            <a:off x="4008120" y="2974109"/>
-            <a:ext cx="1265382" cy="434108"/>
-          </a:xfrm>
-          <a:prstGeom prst="straightConnector1">
-            <a:avLst/>
-          </a:prstGeom>
-          <a:ln w="19050" cap="flat" cmpd="sng" algn="ctr">
-            <a:solidFill>
-              <a:schemeClr val="accent3"/>
-            </a:solidFill>
-            <a:prstDash val="solid"/>
-            <a:round/>
-            <a:headEnd type="none" w="med" len="med"/>
-            <a:tailEnd type="arrow" w="med" len="med"/>
-          </a:ln>
-        </p:spPr>
-        <p:style>
-          <a:lnRef idx="0">
-            <a:scrgbClr r="0" g="0" b="0"/>
-          </a:lnRef>
-          <a:fillRef idx="0">
-            <a:scrgbClr r="0" g="0" b="0"/>
-          </a:fillRef>
-          <a:effectRef idx="0">
-            <a:scrgbClr r="0" g="0" b="0"/>
-          </a:effectRef>
-          <a:fontRef idx="minor">
-            <a:schemeClr val="tx1"/>
-          </a:fontRef>
-        </p:style>
-      </p:cxnSp>
-      <p:cxnSp>
-        <p:nvCxnSpPr>
-          <p:cNvPr id="10" name="直接箭头连接符 9"/>
-          <p:cNvCxnSpPr>
-            <a:endCxn id="7" idx="0"/>
-          </p:cNvCxnSpPr>
-          <p:nvPr/>
-        </p:nvCxnSpPr>
-        <p:spPr>
-          <a:xfrm>
-            <a:off x="5273502" y="2974109"/>
-            <a:ext cx="1259381" cy="434108"/>
-          </a:xfrm>
-          <a:prstGeom prst="straightConnector1">
-            <a:avLst/>
-          </a:prstGeom>
-          <a:ln w="19050" cap="flat" cmpd="sng" algn="ctr">
-            <a:solidFill>
-              <a:schemeClr val="accent3"/>
-            </a:solidFill>
-            <a:prstDash val="solid"/>
-            <a:round/>
-            <a:headEnd type="none" w="med" len="med"/>
-            <a:tailEnd type="arrow" w="med" len="med"/>
-          </a:ln>
-        </p:spPr>
-        <p:style>
-          <a:lnRef idx="0">
-            <a:scrgbClr r="0" g="0" b="0"/>
-          </a:lnRef>
-          <a:fillRef idx="0">
-            <a:scrgbClr r="0" g="0" b="0"/>
-          </a:fillRef>
-          <a:effectRef idx="0">
-            <a:scrgbClr r="0" g="0" b="0"/>
-          </a:effectRef>
-          <a:fontRef idx="minor">
-            <a:schemeClr val="tx1"/>
-          </a:fontRef>
-        </p:style>
-      </p:cxnSp>
-      <p:cxnSp>
-        <p:nvCxnSpPr>
-          <p:cNvPr id="11" name="直接箭头连接符 10"/>
-          <p:cNvCxnSpPr>
-            <a:stCxn id="7" idx="2"/>
-            <a:endCxn id="8" idx="0"/>
-          </p:cNvCxnSpPr>
-          <p:nvPr/>
-        </p:nvCxnSpPr>
-        <p:spPr>
-          <a:xfrm>
-            <a:off x="6532883" y="3842327"/>
-            <a:ext cx="0" cy="434108"/>
-          </a:xfrm>
-          <a:prstGeom prst="straightConnector1">
-            <a:avLst/>
-          </a:prstGeom>
-          <a:ln w="19050" cap="flat" cmpd="sng" algn="ctr">
-            <a:solidFill>
-              <a:schemeClr val="accent3"/>
-            </a:solidFill>
-            <a:prstDash val="solid"/>
-            <a:round/>
-            <a:headEnd type="none" w="med" len="med"/>
-            <a:tailEnd type="arrow" w="med" len="med"/>
-          </a:ln>
-        </p:spPr>
-        <p:style>
-          <a:lnRef idx="0">
-            <a:scrgbClr r="0" g="0" b="0"/>
-          </a:lnRef>
-          <a:fillRef idx="0">
-            <a:scrgbClr r="0" g="0" b="0"/>
-          </a:fillRef>
-          <a:effectRef idx="0">
-            <a:scrgbClr r="0" g="0" b="0"/>
-          </a:effectRef>
-          <a:fontRef idx="minor">
-            <a:schemeClr val="tx1"/>
-          </a:fontRef>
-        </p:style>
-      </p:cxnSp>
-      <p:sp>
-        <p:nvSpPr>
-          <p:cNvPr id="12" name="文本框 11"/>
-          <p:cNvSpPr txBox="1"/>
-          <p:nvPr/>
-        </p:nvSpPr>
-        <p:spPr>
+        </p:nvGrpSpPr>
+        <p:grpSpPr>
           <a:xfrm>
             <a:off x="2078182" y="2023348"/>
-            <a:ext cx="4027054" cy="369332"/>
+            <a:ext cx="6391564" cy="2891552"/>
+            <a:chOff x="2078182" y="2023348"/>
+            <a:chExt cx="6391564" cy="2891552"/>
           </a:xfrm>
-          <a:prstGeom prst="rect">
-            <a:avLst/>
-          </a:prstGeom>
-          <a:noFill/>
-        </p:spPr>
-        <p:txBody>
-          <a:bodyPr wrap="square" rtlCol="0">
-            <a:spAutoFit/>
-          </a:bodyPr>
-          <a:lstStyle/>
-          <a:p>
-            <a:r>
-              <a:rPr lang="en-US" altLang="zh-CN" b="1" dirty="0" smtClean="0">
+        </p:grpSpPr>
+        <p:sp>
+          <p:nvSpPr>
+            <p:cNvPr id="4" name="矩形 3"/>
+            <p:cNvSpPr/>
+            <p:nvPr/>
+          </p:nvSpPr>
+          <p:spPr>
+            <a:xfrm>
+              <a:off x="2078182" y="2392680"/>
+              <a:ext cx="6391564" cy="2522220"/>
+            </a:xfrm>
+            <a:prstGeom prst="rect">
+              <a:avLst/>
+            </a:prstGeom>
+            <a:solidFill>
+              <a:schemeClr val="accent3">
+                <a:alpha val="20000"/>
+              </a:schemeClr>
+            </a:solidFill>
+            <a:ln>
+              <a:noFill/>
+            </a:ln>
+          </p:spPr>
+          <p:style>
+            <a:lnRef idx="0">
+              <a:scrgbClr r="0" g="0" b="0"/>
+            </a:lnRef>
+            <a:fillRef idx="0">
+              <a:scrgbClr r="0" g="0" b="0"/>
+            </a:fillRef>
+            <a:effectRef idx="0">
+              <a:scrgbClr r="0" g="0" b="0"/>
+            </a:effectRef>
+            <a:fontRef idx="minor">
+              <a:schemeClr val="lt1"/>
+            </a:fontRef>
+          </p:style>
+          <p:txBody>
+            <a:bodyPr rtlCol="0" anchor="ctr"/>
+            <a:lstStyle/>
+            <a:p>
+              <a:pPr algn="ctr"/>
+              <a:endParaRPr lang="zh-CN" altLang="en-US" sz="1200"/>
+            </a:p>
+          </p:txBody>
+        </p:sp>
+        <p:sp>
+          <p:nvSpPr>
+            <p:cNvPr id="6" name="矩形 5"/>
+            <p:cNvSpPr/>
+            <p:nvPr/>
+          </p:nvSpPr>
+          <p:spPr>
+            <a:xfrm>
+              <a:off x="3375429" y="3408217"/>
+              <a:ext cx="1265382" cy="434110"/>
+            </a:xfrm>
+            <a:prstGeom prst="rect">
+              <a:avLst/>
+            </a:prstGeom>
+            <a:solidFill>
+              <a:srgbClr val="002060">
+                <a:alpha val="50000"/>
+              </a:srgbClr>
+            </a:solidFill>
+            <a:ln>
+              <a:noFill/>
+            </a:ln>
+          </p:spPr>
+          <p:style>
+            <a:lnRef idx="0">
+              <a:scrgbClr r="0" g="0" b="0"/>
+            </a:lnRef>
+            <a:fillRef idx="0">
+              <a:scrgbClr r="0" g="0" b="0"/>
+            </a:fillRef>
+            <a:effectRef idx="0">
+              <a:scrgbClr r="0" g="0" b="0"/>
+            </a:effectRef>
+            <a:fontRef idx="minor">
+              <a:schemeClr val="lt1"/>
+            </a:fontRef>
+          </p:style>
+          <p:txBody>
+            <a:bodyPr rtlCol="0" anchor="ctr"/>
+            <a:lstStyle/>
+            <a:p>
+              <a:pPr algn="ctr"/>
+              <a:r>
+                <a:rPr lang="zh-CN" altLang="en-US" sz="1200" dirty="0" smtClean="0">
+                  <a:latin typeface="Microsoft YaHei" panose="020B0503020204020204" pitchFamily="34" charset="-122"/>
+                  <a:ea typeface="Microsoft YaHei" panose="020B0503020204020204" pitchFamily="34" charset="-122"/>
+                </a:rPr>
+                <a:t>任务</a:t>
+              </a:r>
+              <a:r>
+                <a:rPr lang="en-US" altLang="zh-CN" sz="1200" dirty="0" smtClean="0">
+                  <a:latin typeface="Microsoft YaHei" panose="020B0503020204020204" pitchFamily="34" charset="-122"/>
+                  <a:ea typeface="Microsoft YaHei" panose="020B0503020204020204" pitchFamily="34" charset="-122"/>
+                </a:rPr>
+                <a:t>1</a:t>
+              </a:r>
+              <a:endParaRPr lang="zh-CN" altLang="en-US" sz="1200" dirty="0">
+                <a:latin typeface="Microsoft YaHei" panose="020B0503020204020204" pitchFamily="34" charset="-122"/>
+                <a:ea typeface="Microsoft YaHei" panose="020B0503020204020204" pitchFamily="34" charset="-122"/>
+              </a:endParaRPr>
+            </a:p>
+          </p:txBody>
+        </p:sp>
+        <p:sp>
+          <p:nvSpPr>
+            <p:cNvPr id="7" name="矩形 6"/>
+            <p:cNvSpPr/>
+            <p:nvPr/>
+          </p:nvSpPr>
+          <p:spPr>
+            <a:xfrm>
+              <a:off x="5900192" y="3408217"/>
+              <a:ext cx="1265382" cy="434110"/>
+            </a:xfrm>
+            <a:prstGeom prst="rect">
+              <a:avLst/>
+            </a:prstGeom>
+            <a:solidFill>
+              <a:srgbClr val="002060">
+                <a:alpha val="50000"/>
+              </a:srgbClr>
+            </a:solidFill>
+            <a:ln>
+              <a:noFill/>
+            </a:ln>
+          </p:spPr>
+          <p:style>
+            <a:lnRef idx="0">
+              <a:scrgbClr r="0" g="0" b="0"/>
+            </a:lnRef>
+            <a:fillRef idx="0">
+              <a:scrgbClr r="0" g="0" b="0"/>
+            </a:fillRef>
+            <a:effectRef idx="0">
+              <a:scrgbClr r="0" g="0" b="0"/>
+            </a:effectRef>
+            <a:fontRef idx="minor">
+              <a:schemeClr val="lt1"/>
+            </a:fontRef>
+          </p:style>
+          <p:txBody>
+            <a:bodyPr rtlCol="0" anchor="ctr"/>
+            <a:lstStyle/>
+            <a:p>
+              <a:pPr algn="ctr"/>
+              <a:r>
+                <a:rPr lang="zh-CN" altLang="en-US" sz="1200" dirty="0" smtClean="0">
+                  <a:latin typeface="Microsoft YaHei" panose="020B0503020204020204" pitchFamily="34" charset="-122"/>
+                  <a:ea typeface="Microsoft YaHei" panose="020B0503020204020204" pitchFamily="34" charset="-122"/>
+                </a:rPr>
+                <a:t>任务</a:t>
+              </a:r>
+              <a:r>
+                <a:rPr lang="en-US" altLang="zh-CN" sz="1200" dirty="0" smtClean="0">
+                  <a:latin typeface="Microsoft YaHei" panose="020B0503020204020204" pitchFamily="34" charset="-122"/>
+                  <a:ea typeface="Microsoft YaHei" panose="020B0503020204020204" pitchFamily="34" charset="-122"/>
+                </a:rPr>
+                <a:t>2</a:t>
+              </a:r>
+              <a:endParaRPr lang="zh-CN" altLang="en-US" sz="1200" dirty="0">
+                <a:latin typeface="Microsoft YaHei" panose="020B0503020204020204" pitchFamily="34" charset="-122"/>
+                <a:ea typeface="Microsoft YaHei" panose="020B0503020204020204" pitchFamily="34" charset="-122"/>
+              </a:endParaRPr>
+            </a:p>
+          </p:txBody>
+        </p:sp>
+        <p:sp>
+          <p:nvSpPr>
+            <p:cNvPr id="8" name="矩形 7"/>
+            <p:cNvSpPr/>
+            <p:nvPr/>
+          </p:nvSpPr>
+          <p:spPr>
+            <a:xfrm>
+              <a:off x="5900192" y="4276435"/>
+              <a:ext cx="1265382" cy="434110"/>
+            </a:xfrm>
+            <a:prstGeom prst="rect">
+              <a:avLst/>
+            </a:prstGeom>
+            <a:solidFill>
+              <a:srgbClr val="002060">
+                <a:alpha val="50000"/>
+              </a:srgbClr>
+            </a:solidFill>
+            <a:ln>
+              <a:noFill/>
+            </a:ln>
+          </p:spPr>
+          <p:style>
+            <a:lnRef idx="0">
+              <a:scrgbClr r="0" g="0" b="0"/>
+            </a:lnRef>
+            <a:fillRef idx="0">
+              <a:scrgbClr r="0" g="0" b="0"/>
+            </a:fillRef>
+            <a:effectRef idx="0">
+              <a:scrgbClr r="0" g="0" b="0"/>
+            </a:effectRef>
+            <a:fontRef idx="minor">
+              <a:schemeClr val="lt1"/>
+            </a:fontRef>
+          </p:style>
+          <p:txBody>
+            <a:bodyPr rtlCol="0" anchor="ctr"/>
+            <a:lstStyle/>
+            <a:p>
+              <a:pPr algn="ctr"/>
+              <a:r>
+                <a:rPr lang="zh-CN" altLang="en-US" sz="1200" dirty="0" smtClean="0">
+                  <a:latin typeface="Microsoft YaHei" panose="020B0503020204020204" pitchFamily="34" charset="-122"/>
+                  <a:ea typeface="Microsoft YaHei" panose="020B0503020204020204" pitchFamily="34" charset="-122"/>
+                </a:rPr>
+                <a:t>任务</a:t>
+              </a:r>
+              <a:r>
+                <a:rPr lang="en-US" altLang="zh-CN" sz="1200" dirty="0" smtClean="0">
+                  <a:latin typeface="Microsoft YaHei" panose="020B0503020204020204" pitchFamily="34" charset="-122"/>
+                  <a:ea typeface="Microsoft YaHei" panose="020B0503020204020204" pitchFamily="34" charset="-122"/>
+                </a:rPr>
+                <a:t>3</a:t>
+              </a:r>
+              <a:endParaRPr lang="zh-CN" altLang="en-US" sz="1200" dirty="0">
+                <a:latin typeface="Microsoft YaHei" panose="020B0503020204020204" pitchFamily="34" charset="-122"/>
+                <a:ea typeface="Microsoft YaHei" panose="020B0503020204020204" pitchFamily="34" charset="-122"/>
+              </a:endParaRPr>
+            </a:p>
+          </p:txBody>
+        </p:sp>
+        <p:cxnSp>
+          <p:nvCxnSpPr>
+            <p:cNvPr id="9" name="直接箭头连接符 8"/>
+            <p:cNvCxnSpPr>
+              <a:endCxn id="6" idx="0"/>
+            </p:cNvCxnSpPr>
+            <p:nvPr/>
+          </p:nvCxnSpPr>
+          <p:spPr>
+            <a:xfrm flipH="1">
+              <a:off x="4008120" y="2974109"/>
+              <a:ext cx="1265382" cy="434108"/>
+            </a:xfrm>
+            <a:prstGeom prst="straightConnector1">
+              <a:avLst/>
+            </a:prstGeom>
+            <a:ln w="19050" cap="flat" cmpd="sng" algn="ctr">
+              <a:solidFill>
+                <a:schemeClr val="accent3"/>
+              </a:solidFill>
+              <a:prstDash val="solid"/>
+              <a:round/>
+              <a:headEnd type="none" w="med" len="med"/>
+              <a:tailEnd type="arrow" w="med" len="med"/>
+            </a:ln>
+          </p:spPr>
+          <p:style>
+            <a:lnRef idx="0">
+              <a:scrgbClr r="0" g="0" b="0"/>
+            </a:lnRef>
+            <a:fillRef idx="0">
+              <a:scrgbClr r="0" g="0" b="0"/>
+            </a:fillRef>
+            <a:effectRef idx="0">
+              <a:scrgbClr r="0" g="0" b="0"/>
+            </a:effectRef>
+            <a:fontRef idx="minor">
+              <a:schemeClr val="tx1"/>
+            </a:fontRef>
+          </p:style>
+        </p:cxnSp>
+        <p:cxnSp>
+          <p:nvCxnSpPr>
+            <p:cNvPr id="10" name="直接箭头连接符 9"/>
+            <p:cNvCxnSpPr>
+              <a:endCxn id="7" idx="0"/>
+            </p:cNvCxnSpPr>
+            <p:nvPr/>
+          </p:nvCxnSpPr>
+          <p:spPr>
+            <a:xfrm>
+              <a:off x="5273502" y="2974109"/>
+              <a:ext cx="1259381" cy="434108"/>
+            </a:xfrm>
+            <a:prstGeom prst="straightConnector1">
+              <a:avLst/>
+            </a:prstGeom>
+            <a:ln w="19050" cap="flat" cmpd="sng" algn="ctr">
+              <a:solidFill>
+                <a:schemeClr val="accent3"/>
+              </a:solidFill>
+              <a:prstDash val="solid"/>
+              <a:round/>
+              <a:headEnd type="none" w="med" len="med"/>
+              <a:tailEnd type="arrow" w="med" len="med"/>
+            </a:ln>
+          </p:spPr>
+          <p:style>
+            <a:lnRef idx="0">
+              <a:scrgbClr r="0" g="0" b="0"/>
+            </a:lnRef>
+            <a:fillRef idx="0">
+              <a:scrgbClr r="0" g="0" b="0"/>
+            </a:fillRef>
+            <a:effectRef idx="0">
+              <a:scrgbClr r="0" g="0" b="0"/>
+            </a:effectRef>
+            <a:fontRef idx="minor">
+              <a:schemeClr val="tx1"/>
+            </a:fontRef>
+          </p:style>
+        </p:cxnSp>
+        <p:cxnSp>
+          <p:nvCxnSpPr>
+            <p:cNvPr id="11" name="直接箭头连接符 10"/>
+            <p:cNvCxnSpPr>
+              <a:stCxn id="7" idx="2"/>
+              <a:endCxn id="8" idx="0"/>
+            </p:cNvCxnSpPr>
+            <p:nvPr/>
+          </p:nvCxnSpPr>
+          <p:spPr>
+            <a:xfrm>
+              <a:off x="6532883" y="3842327"/>
+              <a:ext cx="0" cy="434108"/>
+            </a:xfrm>
+            <a:prstGeom prst="straightConnector1">
+              <a:avLst/>
+            </a:prstGeom>
+            <a:ln w="19050" cap="flat" cmpd="sng" algn="ctr">
+              <a:solidFill>
+                <a:schemeClr val="accent3"/>
+              </a:solidFill>
+              <a:prstDash val="solid"/>
+              <a:round/>
+              <a:headEnd type="none" w="med" len="med"/>
+              <a:tailEnd type="arrow" w="med" len="med"/>
+            </a:ln>
+          </p:spPr>
+          <p:style>
+            <a:lnRef idx="0">
+              <a:scrgbClr r="0" g="0" b="0"/>
+            </a:lnRef>
+            <a:fillRef idx="0">
+              <a:scrgbClr r="0" g="0" b="0"/>
+            </a:fillRef>
+            <a:effectRef idx="0">
+              <a:scrgbClr r="0" g="0" b="0"/>
+            </a:effectRef>
+            <a:fontRef idx="minor">
+              <a:schemeClr val="tx1"/>
+            </a:fontRef>
+          </p:style>
+        </p:cxnSp>
+        <p:sp>
+          <p:nvSpPr>
+            <p:cNvPr id="12" name="文本框 11"/>
+            <p:cNvSpPr txBox="1"/>
+            <p:nvPr/>
+          </p:nvSpPr>
+          <p:spPr>
+            <a:xfrm>
+              <a:off x="2078182" y="2023348"/>
+              <a:ext cx="4027054" cy="369332"/>
+            </a:xfrm>
+            <a:prstGeom prst="rect">
+              <a:avLst/>
+            </a:prstGeom>
+            <a:noFill/>
+          </p:spPr>
+          <p:txBody>
+            <a:bodyPr wrap="square" rtlCol="0">
+              <a:spAutoFit/>
+            </a:bodyPr>
+            <a:lstStyle/>
+            <a:p>
+              <a:r>
+                <a:rPr lang="zh-CN" altLang="en-US" b="1" dirty="0" smtClean="0">
+                  <a:solidFill>
+                    <a:schemeClr val="tx1">
+                      <a:lumMod val="75000"/>
+                      <a:lumOff val="25000"/>
+                    </a:schemeClr>
+                  </a:solidFill>
+                  <a:latin typeface="Arial" panose="020B0604020202020204" pitchFamily="34" charset="0"/>
+                  <a:cs typeface="Arial" panose="020B0604020202020204" pitchFamily="34" charset="0"/>
+                </a:rPr>
+                <a:t>配置引用的任务流</a:t>
+              </a:r>
+              <a:endParaRPr lang="zh-CN" altLang="en-US" b="1" dirty="0">
                 <a:solidFill>
                   <a:schemeClr val="tx1">
                     <a:lumMod val="75000"/>
@@ -4503,161 +4648,150 @@
                 </a:solidFill>
                 <a:latin typeface="Arial" panose="020B0604020202020204" pitchFamily="34" charset="0"/>
                 <a:cs typeface="Arial" panose="020B0604020202020204" pitchFamily="34" charset="0"/>
-              </a:rPr>
-              <a:t>Workflow Reference</a:t>
-            </a:r>
-            <a:endParaRPr lang="zh-CN" altLang="en-US" b="1" dirty="0">
-              <a:solidFill>
-                <a:schemeClr val="tx1">
-                  <a:lumMod val="75000"/>
-                  <a:lumOff val="25000"/>
-                </a:schemeClr>
-              </a:solidFill>
-              <a:latin typeface="Arial" panose="020B0604020202020204" pitchFamily="34" charset="0"/>
-              <a:cs typeface="Arial" panose="020B0604020202020204" pitchFamily="34" charset="0"/>
-            </a:endParaRPr>
-          </a:p>
-        </p:txBody>
-      </p:sp>
-      <p:sp>
-        <p:nvSpPr>
-          <p:cNvPr id="13" name="文本框 12"/>
-          <p:cNvSpPr txBox="1"/>
-          <p:nvPr/>
-        </p:nvSpPr>
-        <p:spPr>
-          <a:xfrm>
-            <a:off x="3932845" y="2931342"/>
-            <a:ext cx="777240" cy="276999"/>
-          </a:xfrm>
-          <a:prstGeom prst="rect">
-            <a:avLst/>
-          </a:prstGeom>
-          <a:noFill/>
-        </p:spPr>
-        <p:txBody>
-          <a:bodyPr wrap="square" rtlCol="0">
-            <a:spAutoFit/>
-          </a:bodyPr>
-          <a:lstStyle/>
-          <a:p>
-            <a:r>
-              <a:rPr lang="en-US" altLang="zh-CN" sz="1200" dirty="0" smtClean="0"/>
-              <a:t>True</a:t>
-            </a:r>
-            <a:endParaRPr lang="zh-CN" altLang="en-US" sz="1200" dirty="0"/>
-          </a:p>
-        </p:txBody>
-      </p:sp>
-      <p:sp>
-        <p:nvSpPr>
-          <p:cNvPr id="14" name="文本框 13"/>
-          <p:cNvSpPr txBox="1"/>
-          <p:nvPr/>
-        </p:nvSpPr>
-        <p:spPr>
-          <a:xfrm>
-            <a:off x="5830918" y="2931342"/>
-            <a:ext cx="777240" cy="276999"/>
-          </a:xfrm>
-          <a:prstGeom prst="rect">
-            <a:avLst/>
-          </a:prstGeom>
-          <a:noFill/>
-        </p:spPr>
-        <p:txBody>
-          <a:bodyPr wrap="square" rtlCol="0">
-            <a:spAutoFit/>
-          </a:bodyPr>
-          <a:lstStyle/>
-          <a:p>
-            <a:r>
-              <a:rPr lang="en-US" altLang="zh-CN" sz="1200" dirty="0" smtClean="0"/>
-              <a:t>True</a:t>
-            </a:r>
-            <a:endParaRPr lang="zh-CN" altLang="en-US" sz="1200" dirty="0"/>
-          </a:p>
-        </p:txBody>
-      </p:sp>
-      <p:sp>
-        <p:nvSpPr>
-          <p:cNvPr id="15" name="文本框 14"/>
-          <p:cNvSpPr txBox="1"/>
-          <p:nvPr/>
-        </p:nvSpPr>
-        <p:spPr>
-          <a:xfrm>
-            <a:off x="6532883" y="3874715"/>
-            <a:ext cx="777240" cy="276999"/>
-          </a:xfrm>
-          <a:prstGeom prst="rect">
-            <a:avLst/>
-          </a:prstGeom>
-          <a:noFill/>
-        </p:spPr>
-        <p:txBody>
-          <a:bodyPr wrap="square" rtlCol="0">
-            <a:spAutoFit/>
-          </a:bodyPr>
-          <a:lstStyle/>
-          <a:p>
-            <a:r>
-              <a:rPr lang="en-US" altLang="zh-CN" sz="1200" dirty="0" smtClean="0"/>
-              <a:t>False</a:t>
-            </a:r>
-            <a:endParaRPr lang="zh-CN" altLang="en-US" sz="1200" dirty="0"/>
-          </a:p>
-        </p:txBody>
-      </p:sp>
-      <p:sp>
-        <p:nvSpPr>
-          <p:cNvPr id="21" name="圆角矩形 20"/>
-          <p:cNvSpPr/>
-          <p:nvPr/>
-        </p:nvSpPr>
-        <p:spPr>
-          <a:xfrm>
-            <a:off x="4644273" y="2529622"/>
-            <a:ext cx="1259381" cy="434108"/>
-          </a:xfrm>
-          <a:prstGeom prst="roundRect">
-            <a:avLst>
-              <a:gd name="adj" fmla="val 50000"/>
-            </a:avLst>
-          </a:prstGeom>
-          <a:solidFill>
-            <a:srgbClr val="7686A6"/>
-          </a:solidFill>
-        </p:spPr>
-        <p:style>
-          <a:lnRef idx="2">
-            <a:schemeClr val="accent1">
-              <a:shade val="50000"/>
-            </a:schemeClr>
-          </a:lnRef>
-          <a:fillRef idx="1">
-            <a:schemeClr val="accent1"/>
-          </a:fillRef>
-          <a:effectRef idx="0">
-            <a:schemeClr val="accent1"/>
-          </a:effectRef>
-          <a:fontRef idx="minor">
-            <a:schemeClr val="lt1"/>
-          </a:fontRef>
-        </p:style>
-        <p:txBody>
-          <a:bodyPr rtlCol="0" anchor="ctr"/>
-          <a:lstStyle/>
-          <a:p>
-            <a:pPr algn="ctr"/>
-            <a:r>
-              <a:rPr lang="en-US" altLang="zh-CN" sz="1200" dirty="0" smtClean="0"/>
-              <a:t>Reference</a:t>
-            </a:r>
-            <a:endParaRPr lang="zh-CN" altLang="en-US" sz="1200" dirty="0"/>
-          </a:p>
-        </p:txBody>
-      </p:sp>
+              </a:endParaRPr>
+            </a:p>
+          </p:txBody>
+        </p:sp>
+        <p:sp>
+          <p:nvSpPr>
+            <p:cNvPr id="13" name="文本框 12"/>
+            <p:cNvSpPr txBox="1"/>
+            <p:nvPr/>
+          </p:nvSpPr>
+          <p:spPr>
+            <a:xfrm>
+              <a:off x="3932845" y="2931342"/>
+              <a:ext cx="777240" cy="276999"/>
+            </a:xfrm>
+            <a:prstGeom prst="rect">
+              <a:avLst/>
+            </a:prstGeom>
+            <a:noFill/>
+          </p:spPr>
+          <p:txBody>
+            <a:bodyPr wrap="square" rtlCol="0">
+              <a:spAutoFit/>
+            </a:bodyPr>
+            <a:lstStyle/>
+            <a:p>
+              <a:r>
+                <a:rPr lang="en-US" altLang="zh-CN" sz="1200" dirty="0" smtClean="0"/>
+                <a:t>True</a:t>
+              </a:r>
+              <a:endParaRPr lang="zh-CN" altLang="en-US" sz="1200" dirty="0"/>
+            </a:p>
+          </p:txBody>
+        </p:sp>
+        <p:sp>
+          <p:nvSpPr>
+            <p:cNvPr id="14" name="文本框 13"/>
+            <p:cNvSpPr txBox="1"/>
+            <p:nvPr/>
+          </p:nvSpPr>
+          <p:spPr>
+            <a:xfrm>
+              <a:off x="5830918" y="2931342"/>
+              <a:ext cx="777240" cy="276999"/>
+            </a:xfrm>
+            <a:prstGeom prst="rect">
+              <a:avLst/>
+            </a:prstGeom>
+            <a:noFill/>
+          </p:spPr>
+          <p:txBody>
+            <a:bodyPr wrap="square" rtlCol="0">
+              <a:spAutoFit/>
+            </a:bodyPr>
+            <a:lstStyle/>
+            <a:p>
+              <a:r>
+                <a:rPr lang="en-US" altLang="zh-CN" sz="1200" dirty="0" smtClean="0"/>
+                <a:t>True</a:t>
+              </a:r>
+              <a:endParaRPr lang="zh-CN" altLang="en-US" sz="1200" dirty="0"/>
+            </a:p>
+          </p:txBody>
+        </p:sp>
+        <p:sp>
+          <p:nvSpPr>
+            <p:cNvPr id="15" name="文本框 14"/>
+            <p:cNvSpPr txBox="1"/>
+            <p:nvPr/>
+          </p:nvSpPr>
+          <p:spPr>
+            <a:xfrm>
+              <a:off x="6532883" y="3874715"/>
+              <a:ext cx="777240" cy="276999"/>
+            </a:xfrm>
+            <a:prstGeom prst="rect">
+              <a:avLst/>
+            </a:prstGeom>
+            <a:noFill/>
+          </p:spPr>
+          <p:txBody>
+            <a:bodyPr wrap="square" rtlCol="0">
+              <a:spAutoFit/>
+            </a:bodyPr>
+            <a:lstStyle/>
+            <a:p>
+              <a:r>
+                <a:rPr lang="en-US" altLang="zh-CN" sz="1200" dirty="0" smtClean="0"/>
+                <a:t>False</a:t>
+              </a:r>
+              <a:endParaRPr lang="zh-CN" altLang="en-US" sz="1200" dirty="0"/>
+            </a:p>
+          </p:txBody>
+        </p:sp>
+        <p:sp>
+          <p:nvSpPr>
+            <p:cNvPr id="21" name="圆角矩形 20"/>
+            <p:cNvSpPr/>
+            <p:nvPr/>
+          </p:nvSpPr>
+          <p:spPr>
+            <a:xfrm>
+              <a:off x="4644273" y="2529622"/>
+              <a:ext cx="1259381" cy="434108"/>
+            </a:xfrm>
+            <a:prstGeom prst="roundRect">
+              <a:avLst>
+                <a:gd name="adj" fmla="val 50000"/>
+              </a:avLst>
+            </a:prstGeom>
+            <a:solidFill>
+              <a:srgbClr val="7686A6"/>
+            </a:solidFill>
+          </p:spPr>
+          <p:style>
+            <a:lnRef idx="2">
+              <a:schemeClr val="accent1">
+                <a:shade val="50000"/>
+              </a:schemeClr>
+            </a:lnRef>
+            <a:fillRef idx="1">
+              <a:schemeClr val="accent1"/>
+            </a:fillRef>
+            <a:effectRef idx="0">
+              <a:schemeClr val="accent1"/>
+            </a:effectRef>
+            <a:fontRef idx="minor">
+              <a:schemeClr val="lt1"/>
+            </a:fontRef>
+          </p:style>
+          <p:txBody>
+            <a:bodyPr rtlCol="0" anchor="ctr"/>
+            <a:lstStyle/>
+            <a:p>
+              <a:pPr algn="ctr"/>
+              <a:r>
+                <a:rPr lang="zh-CN" altLang="en-US" sz="1200" dirty="0"/>
+                <a:t>引用</a:t>
+              </a:r>
+              <a:endParaRPr lang="zh-CN" altLang="en-US" sz="1200" dirty="0"/>
+            </a:p>
+          </p:txBody>
+        </p:sp>
+      </p:grpSp>
     </p:spTree>
     <p:extLst>
       <p:ext uri="{BB962C8B-B14F-4D97-AF65-F5344CB8AC3E}">
